--- a/slides/NodeBackboneDay1.pptx
+++ b/slides/NodeBackboneDay1.pptx
@@ -56,6 +56,17 @@
     <p:sldId id="301" r:id="rId53"/>
     <p:sldId id="302" r:id="rId54"/>
     <p:sldId id="303" r:id="rId55"/>
+    <p:sldId id="304" r:id="rId56"/>
+    <p:sldId id="305" r:id="rId57"/>
+    <p:sldId id="306" r:id="rId58"/>
+    <p:sldId id="307" r:id="rId59"/>
+    <p:sldId id="308" r:id="rId60"/>
+    <p:sldId id="309" r:id="rId61"/>
+    <p:sldId id="310" r:id="rId62"/>
+    <p:sldId id="311" r:id="rId63"/>
+    <p:sldId id="312" r:id="rId64"/>
+    <p:sldId id="313" r:id="rId65"/>
+    <p:sldId id="314" r:id="rId66"/>
   </p:sldIdLst>
   <p:sldSz cx="13004800" cy="9753600"/>
   <p:notesSz cx="6858000" cy="9144000"/>
@@ -383,7 +394,7 @@
       </p:grpSpPr>
       <p:sp>
         <p:nvSpPr>
-          <p:cNvPr id="116" name="Shape 116"/>
+          <p:cNvPr id="125" name="Shape 125"/>
           <p:cNvSpPr/>
           <p:nvPr>
             <p:ph type="sldImg"/>
@@ -408,7 +419,7 @@
       </p:sp>
       <p:sp>
         <p:nvSpPr>
-          <p:cNvPr id="117" name="Shape 117"/>
+          <p:cNvPr id="126" name="Shape 126"/>
           <p:cNvSpPr/>
           <p:nvPr>
             <p:ph type="body" sz="quarter" idx="1"/>
@@ -994,6 +1005,222 @@
 </p:sldLayout>
 </file>
 
+<file path=ppt/slideLayouts/slideLayout13.xml><?xml version="1.0" encoding="utf-8"?>
+<p:sldLayout xmlns:a="http://schemas.openxmlformats.org/drawingml/2006/main" xmlns:r="http://schemas.openxmlformats.org/officeDocument/2006/relationships" xmlns:p="http://schemas.openxmlformats.org/presentationml/2006/main" type="tx" showMasterSp="1" showMasterPhAnim="1">
+  <p:cSld name="Title Slide">
+    <p:spTree>
+      <p:nvGrpSpPr>
+        <p:cNvPr id="1" name=""/>
+        <p:cNvGrpSpPr/>
+        <p:nvPr/>
+      </p:nvGrpSpPr>
+      <p:grpSpPr>
+        <a:xfrm>
+          <a:off x="0" y="0"/>
+          <a:ext cx="0" cy="0"/>
+          <a:chOff x="0" y="0"/>
+          <a:chExt cx="0" cy="0"/>
+        </a:xfrm>
+      </p:grpSpPr>
+      <p:sp>
+        <p:nvSpPr>
+          <p:cNvPr id="117" name="Title Text"/>
+          <p:cNvSpPr txBox="1"/>
+          <p:nvPr>
+            <p:ph type="title"/>
+          </p:nvPr>
+        </p:nvSpPr>
+        <p:spPr>
+          <a:xfrm>
+            <a:off x="975359" y="3029937"/>
+            <a:ext cx="11054082" cy="2090704"/>
+          </a:xfrm>
+          <a:prstGeom prst="rect">
+            <a:avLst/>
+          </a:prstGeom>
+        </p:spPr>
+        <p:txBody>
+          <a:bodyPr lIns="65023" tIns="65023" rIns="65023" bIns="65023"/>
+          <a:lstStyle>
+            <a:lvl1pPr defTabSz="1300480">
+              <a:defRPr sz="6200">
+                <a:latin typeface="Calibri"/>
+                <a:ea typeface="Calibri"/>
+                <a:cs typeface="Calibri"/>
+                <a:sym typeface="Calibri"/>
+              </a:defRPr>
+            </a:lvl1pPr>
+          </a:lstStyle>
+          <a:p>
+            <a:pPr/>
+            <a:r>
+              <a:t>Title Text</a:t>
+            </a:r>
+          </a:p>
+        </p:txBody>
+      </p:sp>
+      <p:sp>
+        <p:nvSpPr>
+          <p:cNvPr id="118" name="Body Level One…"/>
+          <p:cNvSpPr txBox="1"/>
+          <p:nvPr>
+            <p:ph type="body" sz="quarter" idx="1"/>
+          </p:nvPr>
+        </p:nvSpPr>
+        <p:spPr>
+          <a:xfrm>
+            <a:off x="1950719" y="5527040"/>
+            <a:ext cx="9103362" cy="2492587"/>
+          </a:xfrm>
+          <a:prstGeom prst="rect">
+            <a:avLst/>
+          </a:prstGeom>
+        </p:spPr>
+        <p:txBody>
+          <a:bodyPr lIns="65023" tIns="65023" rIns="65023" bIns="65023" anchor="t"/>
+          <a:lstStyle>
+            <a:lvl1pPr marL="0" indent="0" algn="ctr" defTabSz="1300480">
+              <a:spcBef>
+                <a:spcPts val="1000"/>
+              </a:spcBef>
+              <a:buSzTx/>
+              <a:buNone/>
+              <a:defRPr sz="4400">
+                <a:latin typeface="Calibri"/>
+                <a:ea typeface="Calibri"/>
+                <a:cs typeface="Calibri"/>
+                <a:sym typeface="Calibri"/>
+              </a:defRPr>
+            </a:lvl1pPr>
+            <a:lvl2pPr marL="0" indent="457200" algn="ctr" defTabSz="1300480">
+              <a:spcBef>
+                <a:spcPts val="1000"/>
+              </a:spcBef>
+              <a:buSzTx/>
+              <a:buNone/>
+              <a:defRPr sz="4400">
+                <a:latin typeface="Calibri"/>
+                <a:ea typeface="Calibri"/>
+                <a:cs typeface="Calibri"/>
+                <a:sym typeface="Calibri"/>
+              </a:defRPr>
+            </a:lvl2pPr>
+            <a:lvl3pPr marL="0" indent="914400" algn="ctr" defTabSz="1300480">
+              <a:spcBef>
+                <a:spcPts val="1000"/>
+              </a:spcBef>
+              <a:buSzTx/>
+              <a:buNone/>
+              <a:defRPr sz="4400">
+                <a:latin typeface="Calibri"/>
+                <a:ea typeface="Calibri"/>
+                <a:cs typeface="Calibri"/>
+                <a:sym typeface="Calibri"/>
+              </a:defRPr>
+            </a:lvl3pPr>
+            <a:lvl4pPr marL="0" indent="1371600" algn="ctr" defTabSz="1300480">
+              <a:spcBef>
+                <a:spcPts val="1000"/>
+              </a:spcBef>
+              <a:buSzTx/>
+              <a:buNone/>
+              <a:defRPr sz="4400">
+                <a:latin typeface="Calibri"/>
+                <a:ea typeface="Calibri"/>
+                <a:cs typeface="Calibri"/>
+                <a:sym typeface="Calibri"/>
+              </a:defRPr>
+            </a:lvl4pPr>
+            <a:lvl5pPr marL="0" indent="1828800" algn="ctr" defTabSz="1300480">
+              <a:spcBef>
+                <a:spcPts val="1000"/>
+              </a:spcBef>
+              <a:buSzTx/>
+              <a:buNone/>
+              <a:defRPr sz="4400">
+                <a:latin typeface="Calibri"/>
+                <a:ea typeface="Calibri"/>
+                <a:cs typeface="Calibri"/>
+                <a:sym typeface="Calibri"/>
+              </a:defRPr>
+            </a:lvl5pPr>
+          </a:lstStyle>
+          <a:p>
+            <a:pPr/>
+            <a:r>
+              <a:t>Body Level One</a:t>
+            </a:r>
+          </a:p>
+          <a:p>
+            <a:pPr lvl="1"/>
+            <a:r>
+              <a:t>Body Level Two</a:t>
+            </a:r>
+          </a:p>
+          <a:p>
+            <a:pPr lvl="2"/>
+            <a:r>
+              <a:t>Body Level Three</a:t>
+            </a:r>
+          </a:p>
+          <a:p>
+            <a:pPr lvl="3"/>
+            <a:r>
+              <a:t>Body Level Four</a:t>
+            </a:r>
+          </a:p>
+          <a:p>
+            <a:pPr lvl="4"/>
+            <a:r>
+              <a:t>Body Level Five</a:t>
+            </a:r>
+          </a:p>
+        </p:txBody>
+      </p:sp>
+      <p:sp>
+        <p:nvSpPr>
+          <p:cNvPr id="119" name="Slide Number"/>
+          <p:cNvSpPr txBox="1"/>
+          <p:nvPr>
+            <p:ph type="sldNum" sz="quarter" idx="2"/>
+          </p:nvPr>
+        </p:nvSpPr>
+        <p:spPr>
+          <a:xfrm>
+            <a:off x="11998690" y="9114112"/>
+            <a:ext cx="355871" cy="371349"/>
+          </a:xfrm>
+          <a:prstGeom prst="rect">
+            <a:avLst/>
+          </a:prstGeom>
+        </p:spPr>
+        <p:txBody>
+          <a:bodyPr lIns="65023" tIns="65023" rIns="65023" bIns="65023" anchor="ctr"/>
+          <a:lstStyle>
+            <a:lvl1pPr algn="r" defTabSz="1300480">
+              <a:defRPr sz="1600">
+                <a:latin typeface="Calibri"/>
+                <a:ea typeface="Calibri"/>
+                <a:cs typeface="Calibri"/>
+                <a:sym typeface="Calibri"/>
+              </a:defRPr>
+            </a:lvl1pPr>
+          </a:lstStyle>
+          <a:p>
+            <a:pPr/>
+            <a:fld id="{86CB4B4D-7CA3-9044-876B-883B54F8677D}" type="slidenum"/>
+          </a:p>
+        </p:txBody>
+      </p:sp>
+    </p:spTree>
+  </p:cSld>
+  <p:clrMapOvr>
+    <a:masterClrMapping/>
+  </p:clrMapOvr>
+  <p:transition xmlns:p14="http://schemas.microsoft.com/office/powerpoint/2010/main" spd="med" advClick="1"/>
+</p:sldLayout>
+</file>
+
 <file path=ppt/slideLayouts/slideLayout2.xml><?xml version="1.0" encoding="utf-8"?>
 <p:sldLayout xmlns:a="http://schemas.openxmlformats.org/drawingml/2006/main" xmlns:r="http://schemas.openxmlformats.org/officeDocument/2006/relationships" xmlns:p="http://schemas.openxmlformats.org/presentationml/2006/main" type="tx" showMasterSp="1" showMasterPhAnim="1">
   <p:cSld name="Photo - Horizontal">
@@ -2248,6 +2475,7 @@
     <p:sldLayoutId id="2147483658" r:id="rId11"/>
     <p:sldLayoutId id="2147483659" r:id="rId12"/>
     <p:sldLayoutId id="2147483660" r:id="rId13"/>
+    <p:sldLayoutId id="2147483661" r:id="rId14"/>
   </p:sldLayoutIdLst>
   <p:transition xmlns:p14="http://schemas.microsoft.com/office/powerpoint/2010/main" spd="med" advClick="1"/>
   <p:txStyles>
@@ -3063,7 +3291,7 @@
       </p:grpSpPr>
       <p:sp>
         <p:nvSpPr>
-          <p:cNvPr id="119" name="Node &amp; Backbone"/>
+          <p:cNvPr id="128" name="Node &amp; Backbone"/>
           <p:cNvSpPr txBox="1"/>
           <p:nvPr>
             <p:ph type="ctrTitle"/>
@@ -3087,7 +3315,7 @@
       </p:sp>
       <p:sp>
         <p:nvSpPr>
-          <p:cNvPr id="120" name="Elias Carlston, DevelopIntelligence…"/>
+          <p:cNvPr id="129" name="Elias Carlston, DevelopIntelligence…"/>
           <p:cNvSpPr txBox="1"/>
           <p:nvPr>
             <p:ph type="subTitle" sz="quarter" idx="1"/>
@@ -3167,7 +3395,7 @@
       </p:grpSpPr>
       <p:sp>
         <p:nvSpPr>
-          <p:cNvPr id="146" name="Intro to Node"/>
+          <p:cNvPr id="155" name="Intro to Node"/>
           <p:cNvSpPr txBox="1"/>
           <p:nvPr>
             <p:ph type="title"/>
@@ -3191,7 +3419,7 @@
       </p:sp>
       <p:sp>
         <p:nvSpPr>
-          <p:cNvPr id="147" name="What is NodeJS?…"/>
+          <p:cNvPr id="156" name="What is NodeJS?…"/>
           <p:cNvSpPr txBox="1"/>
           <p:nvPr>
             <p:ph type="body" idx="1"/>
@@ -3268,7 +3496,7 @@
       </p:grpSpPr>
       <p:sp>
         <p:nvSpPr>
-          <p:cNvPr id="149" name="Intro to Node"/>
+          <p:cNvPr id="158" name="Intro to Node"/>
           <p:cNvSpPr txBox="1"/>
           <p:nvPr>
             <p:ph type="title"/>
@@ -3292,7 +3520,7 @@
       </p:sp>
       <p:sp>
         <p:nvSpPr>
-          <p:cNvPr id="150" name="Why NodeJS?…"/>
+          <p:cNvPr id="159" name="Why NodeJS?…"/>
           <p:cNvSpPr txBox="1"/>
           <p:nvPr>
             <p:ph type="body" idx="1"/>
@@ -3369,7 +3597,7 @@
       </p:grpSpPr>
       <p:sp>
         <p:nvSpPr>
-          <p:cNvPr id="152" name="Intro to Node"/>
+          <p:cNvPr id="161" name="Intro to Node"/>
           <p:cNvSpPr txBox="1"/>
           <p:nvPr>
             <p:ph type="title"/>
@@ -3393,7 +3621,7 @@
       </p:sp>
       <p:sp>
         <p:nvSpPr>
-          <p:cNvPr id="153" name="Why Not NodeJS?…"/>
+          <p:cNvPr id="162" name="Why Not NodeJS?…"/>
           <p:cNvSpPr txBox="1"/>
           <p:nvPr>
             <p:ph type="body" idx="1"/>
@@ -3470,7 +3698,7 @@
       </p:grpSpPr>
       <p:sp>
         <p:nvSpPr>
-          <p:cNvPr id="155" name="Intro to Node"/>
+          <p:cNvPr id="164" name="Intro to Node"/>
           <p:cNvSpPr txBox="1"/>
           <p:nvPr>
             <p:ph type="title"/>
@@ -3494,7 +3722,7 @@
       </p:sp>
       <p:sp>
         <p:nvSpPr>
-          <p:cNvPr id="156" name="What to use NodeJS for?…"/>
+          <p:cNvPr id="165" name="What to use NodeJS for?…"/>
           <p:cNvSpPr txBox="1"/>
           <p:nvPr>
             <p:ph type="body" idx="1"/>
@@ -3565,7 +3793,7 @@
       </p:grpSpPr>
       <p:sp>
         <p:nvSpPr>
-          <p:cNvPr id="158" name="Intro to Node"/>
+          <p:cNvPr id="167" name="Intro to Node"/>
           <p:cNvSpPr txBox="1"/>
           <p:nvPr>
             <p:ph type="title"/>
@@ -3589,7 +3817,7 @@
       </p:sp>
       <p:sp>
         <p:nvSpPr>
-          <p:cNvPr id="159" name="Parts of NodeJS…"/>
+          <p:cNvPr id="168" name="Parts of NodeJS…"/>
           <p:cNvSpPr txBox="1"/>
           <p:nvPr>
             <p:ph type="body" idx="1"/>
@@ -3666,7 +3894,7 @@
       </p:grpSpPr>
       <p:sp>
         <p:nvSpPr>
-          <p:cNvPr id="161" name="Intro to Node"/>
+          <p:cNvPr id="170" name="Intro to Node"/>
           <p:cNvSpPr txBox="1"/>
           <p:nvPr>
             <p:ph type="title"/>
@@ -3690,7 +3918,7 @@
       </p:sp>
       <p:sp>
         <p:nvSpPr>
-          <p:cNvPr id="162" name="V8…"/>
+          <p:cNvPr id="171" name="V8…"/>
           <p:cNvSpPr txBox="1"/>
           <p:nvPr>
             <p:ph type="body" idx="1"/>
@@ -3767,7 +3995,7 @@
       </p:grpSpPr>
       <p:sp>
         <p:nvSpPr>
-          <p:cNvPr id="164" name="Intro to Node"/>
+          <p:cNvPr id="173" name="Intro to Node"/>
           <p:cNvSpPr txBox="1"/>
           <p:nvPr>
             <p:ph type="title"/>
@@ -3791,7 +4019,7 @@
       </p:sp>
       <p:sp>
         <p:nvSpPr>
-          <p:cNvPr id="165" name="Standard Library…"/>
+          <p:cNvPr id="174" name="Standard Library…"/>
           <p:cNvSpPr txBox="1"/>
           <p:nvPr>
             <p:ph type="body" idx="1"/>
@@ -3868,7 +4096,7 @@
       </p:grpSpPr>
       <p:sp>
         <p:nvSpPr>
-          <p:cNvPr id="167" name="Intro to Node"/>
+          <p:cNvPr id="176" name="Intro to Node"/>
           <p:cNvSpPr txBox="1"/>
           <p:nvPr>
             <p:ph type="title"/>
@@ -3892,7 +4120,7 @@
       </p:sp>
       <p:sp>
         <p:nvSpPr>
-          <p:cNvPr id="168" name="NPM…"/>
+          <p:cNvPr id="177" name="NPM…"/>
           <p:cNvSpPr txBox="1"/>
           <p:nvPr>
             <p:ph type="body" idx="1"/>
@@ -3963,7 +4191,7 @@
       </p:grpSpPr>
       <p:sp>
         <p:nvSpPr>
-          <p:cNvPr id="170" name="Intro to Node"/>
+          <p:cNvPr id="179" name="Intro to Node"/>
           <p:cNvSpPr txBox="1"/>
           <p:nvPr>
             <p:ph type="title"/>
@@ -3987,7 +4215,7 @@
       </p:sp>
       <p:sp>
         <p:nvSpPr>
-          <p:cNvPr id="171" name="Node versions…"/>
+          <p:cNvPr id="180" name="Node versions…"/>
           <p:cNvSpPr txBox="1"/>
           <p:nvPr>
             <p:ph type="body" idx="1"/>
@@ -4058,7 +4286,7 @@
       </p:grpSpPr>
       <p:sp>
         <p:nvSpPr>
-          <p:cNvPr id="173" name="Intro to Node"/>
+          <p:cNvPr id="182" name="Intro to Node"/>
           <p:cNvSpPr txBox="1"/>
           <p:nvPr>
             <p:ph type="title"/>
@@ -4082,7 +4310,7 @@
       </p:sp>
       <p:sp>
         <p:nvSpPr>
-          <p:cNvPr id="174" name="Dev Tools…"/>
+          <p:cNvPr id="183" name="Dev Tools…"/>
           <p:cNvSpPr txBox="1"/>
           <p:nvPr>
             <p:ph type="body" idx="1"/>
@@ -4147,7 +4375,7 @@
       </p:grpSpPr>
       <p:sp>
         <p:nvSpPr>
-          <p:cNvPr id="122" name="Day 1 Schedule"/>
+          <p:cNvPr id="131" name="Day 1 Schedule"/>
           <p:cNvSpPr txBox="1"/>
           <p:nvPr>
             <p:ph type="title"/>
@@ -4171,7 +4399,7 @@
       </p:sp>
       <p:sp>
         <p:nvSpPr>
-          <p:cNvPr id="123" name="Introductions / Icebreakers…"/>
+          <p:cNvPr id="132" name="Introductions / Icebreakers…"/>
           <p:cNvSpPr txBox="1"/>
           <p:nvPr>
             <p:ph type="body" idx="1"/>
@@ -4292,7 +4520,7 @@
       </p:grpSpPr>
       <p:sp>
         <p:nvSpPr>
-          <p:cNvPr id="176" name="Intro to Node"/>
+          <p:cNvPr id="185" name="Intro to Node"/>
           <p:cNvSpPr txBox="1"/>
           <p:nvPr>
             <p:ph type="title"/>
@@ -4316,7 +4544,7 @@
       </p:sp>
       <p:sp>
         <p:nvSpPr>
-          <p:cNvPr id="177" name="REPL…"/>
+          <p:cNvPr id="186" name="REPL…"/>
           <p:cNvSpPr txBox="1"/>
           <p:nvPr>
             <p:ph type="body" idx="1"/>
@@ -4387,7 +4615,7 @@
       </p:grpSpPr>
       <p:sp>
         <p:nvSpPr>
-          <p:cNvPr id="179" name="Intro to Node"/>
+          <p:cNvPr id="188" name="Intro to Node"/>
           <p:cNvSpPr txBox="1"/>
           <p:nvPr>
             <p:ph type="title"/>
@@ -4411,7 +4639,7 @@
       </p:sp>
       <p:sp>
         <p:nvSpPr>
-          <p:cNvPr id="180" name="Try REPL…"/>
+          <p:cNvPr id="189" name="Try REPL…"/>
           <p:cNvSpPr txBox="1"/>
           <p:nvPr>
             <p:ph type="body" idx="1"/>
@@ -4488,7 +4716,7 @@
       </p:grpSpPr>
       <p:sp>
         <p:nvSpPr>
-          <p:cNvPr id="182" name="Intro to Node"/>
+          <p:cNvPr id="191" name="Intro to Node"/>
           <p:cNvSpPr txBox="1"/>
           <p:nvPr>
             <p:ph type="title"/>
@@ -4512,7 +4740,7 @@
       </p:sp>
       <p:sp>
         <p:nvSpPr>
-          <p:cNvPr id="183" name="REPL commands…"/>
+          <p:cNvPr id="192" name="REPL commands…"/>
           <p:cNvSpPr txBox="1"/>
           <p:nvPr>
             <p:ph type="body" idx="1"/>
@@ -4589,7 +4817,7 @@
       </p:grpSpPr>
       <p:sp>
         <p:nvSpPr>
-          <p:cNvPr id="185" name="Intro to Node"/>
+          <p:cNvPr id="194" name="Intro to Node"/>
           <p:cNvSpPr txBox="1"/>
           <p:nvPr>
             <p:ph type="title"/>
@@ -4613,7 +4841,7 @@
       </p:sp>
       <p:sp>
         <p:nvSpPr>
-          <p:cNvPr id="186" name="REPL commands…"/>
+          <p:cNvPr id="195" name="REPL commands…"/>
           <p:cNvSpPr txBox="1"/>
           <p:nvPr>
             <p:ph type="body" idx="1"/>
@@ -4690,7 +4918,7 @@
       </p:grpSpPr>
       <p:sp>
         <p:nvSpPr>
-          <p:cNvPr id="188" name="Lab: Using Modules"/>
+          <p:cNvPr id="197" name="Lab: Using Modules"/>
           <p:cNvSpPr txBox="1"/>
           <p:nvPr>
             <p:ph type="title"/>
@@ -4714,7 +4942,7 @@
       </p:sp>
       <p:sp>
         <p:nvSpPr>
-          <p:cNvPr id="189" name="examples/using-modules…"/>
+          <p:cNvPr id="198" name="examples/using-modules…"/>
           <p:cNvSpPr txBox="1"/>
           <p:nvPr>
             <p:ph type="body" idx="1"/>
@@ -4782,7 +5010,7 @@
       </p:grpSpPr>
       <p:sp>
         <p:nvSpPr>
-          <p:cNvPr id="191" name="Lab: Using Modules 2"/>
+          <p:cNvPr id="200" name="Lab: Using Modules 2"/>
           <p:cNvSpPr txBox="1"/>
           <p:nvPr>
             <p:ph type="title"/>
@@ -4806,7 +5034,7 @@
       </p:sp>
       <p:sp>
         <p:nvSpPr>
-          <p:cNvPr id="192" name="examples/using-modules…"/>
+          <p:cNvPr id="201" name="examples/using-modules…"/>
           <p:cNvSpPr txBox="1"/>
           <p:nvPr>
             <p:ph type="body" idx="1"/>
@@ -4886,7 +5114,7 @@
       </p:grpSpPr>
       <p:sp>
         <p:nvSpPr>
-          <p:cNvPr id="194" name="Event Loop"/>
+          <p:cNvPr id="203" name="Event Loop"/>
           <p:cNvSpPr txBox="1"/>
           <p:nvPr>
             <p:ph type="title"/>
@@ -4910,7 +5138,7 @@
       </p:sp>
       <p:sp>
         <p:nvSpPr>
-          <p:cNvPr id="195" name="Why is Node.js so great for web servers?…"/>
+          <p:cNvPr id="204" name="Why is Node.js so great for web servers?…"/>
           <p:cNvSpPr txBox="1"/>
           <p:nvPr>
             <p:ph type="body" idx="1"/>
@@ -4987,7 +5215,7 @@
       </p:grpSpPr>
       <p:sp>
         <p:nvSpPr>
-          <p:cNvPr id="197" name="Event Loop"/>
+          <p:cNvPr id="206" name="Event Loop"/>
           <p:cNvSpPr txBox="1"/>
           <p:nvPr>
             <p:ph type="title"/>
@@ -5011,7 +5239,7 @@
       </p:sp>
       <p:sp>
         <p:nvSpPr>
-          <p:cNvPr id="198" name="Set up new connection – 50ms…"/>
+          <p:cNvPr id="207" name="Set up new connection – 50ms…"/>
           <p:cNvSpPr txBox="1"/>
           <p:nvPr>
             <p:ph type="body" sz="half" idx="1"/>
@@ -5163,7 +5391,7 @@
       </p:sp>
       <p:sp>
         <p:nvSpPr>
-          <p:cNvPr id="199" name="A typical web server task stack might look like this:"/>
+          <p:cNvPr id="208" name="A typical web server task stack might look like this:"/>
           <p:cNvSpPr txBox="1"/>
           <p:nvPr/>
         </p:nvSpPr>
@@ -5236,7 +5464,7 @@
       </p:grpSpPr>
       <p:sp>
         <p:nvSpPr>
-          <p:cNvPr id="201" name="Event Loop"/>
+          <p:cNvPr id="210" name="Event Loop"/>
           <p:cNvSpPr txBox="1"/>
           <p:nvPr>
             <p:ph type="title"/>
@@ -5260,7 +5488,7 @@
       </p:sp>
       <p:sp>
         <p:nvSpPr>
-          <p:cNvPr id="202" name="Subtitle 2"/>
+          <p:cNvPr id="211" name="Subtitle 2"/>
           <p:cNvSpPr txBox="1"/>
           <p:nvPr/>
         </p:nvSpPr>
@@ -5384,7 +5612,7 @@
       </p:sp>
       <p:sp>
         <p:nvSpPr>
-          <p:cNvPr id="203" name="Subtitle 2"/>
+          <p:cNvPr id="212" name="Subtitle 2"/>
           <p:cNvSpPr txBox="1"/>
           <p:nvPr/>
         </p:nvSpPr>
@@ -5604,7 +5832,7 @@
       </p:sp>
       <p:sp>
         <p:nvSpPr>
-          <p:cNvPr id="204" name="Subtitle 2"/>
+          <p:cNvPr id="213" name="Subtitle 2"/>
           <p:cNvSpPr txBox="1"/>
           <p:nvPr/>
         </p:nvSpPr>
@@ -5824,7 +6052,7 @@
       </p:sp>
       <p:sp>
         <p:nvSpPr>
-          <p:cNvPr id="205" name="Subtitle 2"/>
+          <p:cNvPr id="214" name="Subtitle 2"/>
           <p:cNvSpPr txBox="1"/>
           <p:nvPr/>
         </p:nvSpPr>
@@ -6044,7 +6272,7 @@
       </p:sp>
       <p:sp>
         <p:nvSpPr>
-          <p:cNvPr id="206" name="Server receives requests randomly…"/>
+          <p:cNvPr id="215" name="Server receives requests randomly…"/>
           <p:cNvSpPr txBox="1"/>
           <p:nvPr/>
         </p:nvSpPr>
@@ -6136,7 +6364,7 @@
       </p:grpSpPr>
       <p:sp>
         <p:nvSpPr>
-          <p:cNvPr id="208" name="Event Loop"/>
+          <p:cNvPr id="217" name="Event Loop"/>
           <p:cNvSpPr txBox="1"/>
           <p:nvPr>
             <p:ph type="title"/>
@@ -6160,7 +6388,7 @@
       </p:sp>
       <p:sp>
         <p:nvSpPr>
-          <p:cNvPr id="209" name="Analogy :: Starbucks orders…"/>
+          <p:cNvPr id="218" name="Analogy :: Starbucks orders…"/>
           <p:cNvSpPr txBox="1"/>
           <p:nvPr>
             <p:ph type="body" idx="1"/>
@@ -6243,7 +6471,7 @@
       </p:grpSpPr>
       <p:sp>
         <p:nvSpPr>
-          <p:cNvPr id="125" name="Introductions"/>
+          <p:cNvPr id="134" name="Introductions"/>
           <p:cNvSpPr txBox="1"/>
           <p:nvPr>
             <p:ph type="title"/>
@@ -6267,7 +6495,7 @@
       </p:sp>
       <p:sp>
         <p:nvSpPr>
-          <p:cNvPr id="126" name="About me…"/>
+          <p:cNvPr id="135" name="About me…"/>
           <p:cNvSpPr txBox="1"/>
           <p:nvPr>
             <p:ph type="body" idx="1"/>
@@ -6341,7 +6569,7 @@
       </p:grpSpPr>
       <p:sp>
         <p:nvSpPr>
-          <p:cNvPr id="211" name="Event Loop"/>
+          <p:cNvPr id="220" name="Event Loop"/>
           <p:cNvSpPr txBox="1"/>
           <p:nvPr>
             <p:ph type="title"/>
@@ -6365,7 +6593,7 @@
       </p:sp>
       <p:sp>
         <p:nvSpPr>
-          <p:cNvPr id="212" name="Event Loop…"/>
+          <p:cNvPr id="221" name="Event Loop…"/>
           <p:cNvSpPr txBox="1"/>
           <p:nvPr>
             <p:ph type="body" idx="1"/>
@@ -6442,7 +6670,7 @@
       </p:grpSpPr>
       <p:sp>
         <p:nvSpPr>
-          <p:cNvPr id="214" name="Event Loop"/>
+          <p:cNvPr id="223" name="Event Loop"/>
           <p:cNvSpPr txBox="1"/>
           <p:nvPr>
             <p:ph type="title"/>
@@ -6466,7 +6694,7 @@
       </p:sp>
       <p:sp>
         <p:nvSpPr>
-          <p:cNvPr id="215" name="Event Loop"/>
+          <p:cNvPr id="224" name="Event Loop"/>
           <p:cNvSpPr txBox="1"/>
           <p:nvPr>
             <p:ph type="body" idx="1"/>
@@ -6495,7 +6723,7 @@
       </p:sp>
       <p:pic>
         <p:nvPicPr>
-          <p:cNvPr id="216" name="Picture 3" descr="Picture 3"/>
+          <p:cNvPr id="225" name="Picture 3" descr="Picture 3"/>
           <p:cNvPicPr>
             <a:picLocks noChangeAspect="1"/>
           </p:cNvPicPr>
@@ -6524,7 +6752,7 @@
       </p:pic>
       <p:sp>
         <p:nvSpPr>
-          <p:cNvPr id="217" name="Source: github/nodejs"/>
+          <p:cNvPr id="226" name="Source: github/nodejs"/>
           <p:cNvSpPr txBox="1"/>
           <p:nvPr/>
         </p:nvSpPr>
@@ -6598,7 +6826,7 @@
       </p:grpSpPr>
       <p:sp>
         <p:nvSpPr>
-          <p:cNvPr id="219" name="Lab: Using Modules 3"/>
+          <p:cNvPr id="228" name="Lab: Using Modules 3"/>
           <p:cNvSpPr txBox="1"/>
           <p:nvPr>
             <p:ph type="title"/>
@@ -6622,7 +6850,7 @@
       </p:sp>
       <p:sp>
         <p:nvSpPr>
-          <p:cNvPr id="220" name="examples/using-modules…"/>
+          <p:cNvPr id="229" name="examples/using-modules…"/>
           <p:cNvSpPr txBox="1"/>
           <p:nvPr>
             <p:ph type="body" idx="1"/>
@@ -6690,7 +6918,7 @@
       </p:grpSpPr>
       <p:sp>
         <p:nvSpPr>
-          <p:cNvPr id="222" name="Lab: Using Modules 3"/>
+          <p:cNvPr id="231" name="Lab: Using Modules 3"/>
           <p:cNvSpPr txBox="1"/>
           <p:nvPr>
             <p:ph type="title"/>
@@ -6714,7 +6942,7 @@
       </p:sp>
       <p:sp>
         <p:nvSpPr>
-          <p:cNvPr id="223" name="Steps…"/>
+          <p:cNvPr id="232" name="Steps…"/>
           <p:cNvSpPr txBox="1"/>
           <p:nvPr>
             <p:ph type="body" idx="1"/>
@@ -6744,7 +6972,7 @@
       </p:sp>
       <p:sp>
         <p:nvSpPr>
-          <p:cNvPr id="224" name="module.exports = function() {…"/>
+          <p:cNvPr id="233" name="module.exports = function() {…"/>
           <p:cNvSpPr txBox="1"/>
           <p:nvPr/>
         </p:nvSpPr>
@@ -7269,7 +7497,7 @@
       </p:grpSpPr>
       <p:sp>
         <p:nvSpPr>
-          <p:cNvPr id="226" name="Lab: Using Modules 3"/>
+          <p:cNvPr id="235" name="Lab: Using Modules 3"/>
           <p:cNvSpPr txBox="1"/>
           <p:nvPr>
             <p:ph type="title"/>
@@ -7293,7 +7521,7 @@
       </p:sp>
       <p:sp>
         <p:nvSpPr>
-          <p:cNvPr id="227" name="Steps…"/>
+          <p:cNvPr id="236" name="Steps…"/>
           <p:cNvSpPr txBox="1"/>
           <p:nvPr>
             <p:ph type="body" idx="1"/>
@@ -7371,7 +7599,7 @@
       </p:grpSpPr>
       <p:sp>
         <p:nvSpPr>
-          <p:cNvPr id="229" name="I / O"/>
+          <p:cNvPr id="238" name="I / O"/>
           <p:cNvSpPr txBox="1"/>
           <p:nvPr>
             <p:ph type="title"/>
@@ -7395,7 +7623,7 @@
       </p:sp>
       <p:sp>
         <p:nvSpPr>
-          <p:cNvPr id="230" name="Input / Output controlled by host environment…"/>
+          <p:cNvPr id="239" name="Input / Output controlled by host environment…"/>
           <p:cNvSpPr txBox="1"/>
           <p:nvPr>
             <p:ph type="body" idx="1"/>
@@ -7473,7 +7701,7 @@
       </p:grpSpPr>
       <p:sp>
         <p:nvSpPr>
-          <p:cNvPr id="232" name="I / O"/>
+          <p:cNvPr id="241" name="I / O"/>
           <p:cNvSpPr txBox="1"/>
           <p:nvPr>
             <p:ph type="title"/>
@@ -7497,7 +7725,7 @@
       </p:sp>
       <p:sp>
         <p:nvSpPr>
-          <p:cNvPr id="233" name="Node…"/>
+          <p:cNvPr id="242" name="Node…"/>
           <p:cNvSpPr txBox="1"/>
           <p:nvPr>
             <p:ph type="body" idx="1"/>
@@ -7575,7 +7803,7 @@
       </p:grpSpPr>
       <p:sp>
         <p:nvSpPr>
-          <p:cNvPr id="235" name="I / O"/>
+          <p:cNvPr id="244" name="I / O"/>
           <p:cNvSpPr txBox="1"/>
           <p:nvPr>
             <p:ph type="title"/>
@@ -7599,7 +7827,7 @@
       </p:sp>
       <p:sp>
         <p:nvSpPr>
-          <p:cNvPr id="236" name="What's a Stream?…"/>
+          <p:cNvPr id="245" name="What's a Stream?…"/>
           <p:cNvSpPr txBox="1"/>
           <p:nvPr>
             <p:ph type="body" idx="1"/>
@@ -7677,7 +7905,7 @@
       </p:grpSpPr>
       <p:sp>
         <p:nvSpPr>
-          <p:cNvPr id="238" name="I / O"/>
+          <p:cNvPr id="247" name="I / O"/>
           <p:cNvSpPr txBox="1"/>
           <p:nvPr>
             <p:ph type="title"/>
@@ -7701,7 +7929,7 @@
       </p:sp>
       <p:sp>
         <p:nvSpPr>
-          <p:cNvPr id="239" name="Handling Streams…"/>
+          <p:cNvPr id="248" name="Handling Streams…"/>
           <p:cNvSpPr txBox="1"/>
           <p:nvPr>
             <p:ph type="body" idx="1"/>
@@ -7785,7 +8013,7 @@
       </p:grpSpPr>
       <p:sp>
         <p:nvSpPr>
-          <p:cNvPr id="241" name="I / O"/>
+          <p:cNvPr id="250" name="I / O"/>
           <p:cNvSpPr txBox="1"/>
           <p:nvPr>
             <p:ph type="title"/>
@@ -7809,7 +8037,7 @@
       </p:sp>
       <p:sp>
         <p:nvSpPr>
-          <p:cNvPr id="242" name="Types of Streams…"/>
+          <p:cNvPr id="251" name="Types of Streams…"/>
           <p:cNvSpPr txBox="1"/>
           <p:nvPr>
             <p:ph type="body" idx="1"/>
@@ -7893,7 +8121,7 @@
       </p:grpSpPr>
       <p:sp>
         <p:nvSpPr>
-          <p:cNvPr id="128" name="Course Overview"/>
+          <p:cNvPr id="137" name="Course Overview"/>
           <p:cNvSpPr txBox="1"/>
           <p:nvPr>
             <p:ph type="title"/>
@@ -7917,7 +8145,7 @@
       </p:sp>
       <p:sp>
         <p:nvSpPr>
-          <p:cNvPr id="129" name="Expectations…"/>
+          <p:cNvPr id="138" name="Expectations…"/>
           <p:cNvSpPr txBox="1"/>
           <p:nvPr>
             <p:ph type="body" idx="1"/>
@@ -7994,7 +8222,7 @@
       </p:grpSpPr>
       <p:sp>
         <p:nvSpPr>
-          <p:cNvPr id="244" name="I / O"/>
+          <p:cNvPr id="253" name="I / O"/>
           <p:cNvSpPr txBox="1"/>
           <p:nvPr>
             <p:ph type="title"/>
@@ -8018,7 +8246,7 @@
       </p:sp>
       <p:sp>
         <p:nvSpPr>
-          <p:cNvPr id="245" name="Example: make a copy of a stream…"/>
+          <p:cNvPr id="254" name="Example: make a copy of a stream…"/>
           <p:cNvSpPr txBox="1"/>
           <p:nvPr>
             <p:ph type="body" idx="1"/>
@@ -8114,7 +8342,7 @@
       </p:grpSpPr>
       <p:sp>
         <p:nvSpPr>
-          <p:cNvPr id="247" name="I / O"/>
+          <p:cNvPr id="256" name="I / O"/>
           <p:cNvSpPr txBox="1"/>
           <p:nvPr>
             <p:ph type="title"/>
@@ -8138,7 +8366,7 @@
       </p:sp>
       <p:sp>
         <p:nvSpPr>
-          <p:cNvPr id="248" name="Handling Streams - hard parts…"/>
+          <p:cNvPr id="257" name="Handling Streams - hard parts…"/>
           <p:cNvSpPr txBox="1"/>
           <p:nvPr>
             <p:ph type="body" idx="1"/>
@@ -8216,7 +8444,7 @@
       </p:grpSpPr>
       <p:sp>
         <p:nvSpPr>
-          <p:cNvPr id="250" name="Process"/>
+          <p:cNvPr id="259" name="Process"/>
           <p:cNvSpPr txBox="1"/>
           <p:nvPr>
             <p:ph type="title"/>
@@ -8240,7 +8468,7 @@
       </p:sp>
       <p:sp>
         <p:nvSpPr>
-          <p:cNvPr id="251" name="Built-in Node module ( 'process' )…"/>
+          <p:cNvPr id="260" name="Built-in Node module ( 'process' )…"/>
           <p:cNvSpPr txBox="1"/>
           <p:nvPr>
             <p:ph type="body" idx="1"/>
@@ -8324,7 +8552,7 @@
       </p:grpSpPr>
       <p:sp>
         <p:nvSpPr>
-          <p:cNvPr id="253" name="Lab: Using Streams"/>
+          <p:cNvPr id="262" name="Lab: Using Streams"/>
           <p:cNvSpPr txBox="1"/>
           <p:nvPr>
             <p:ph type="title"/>
@@ -8348,7 +8576,7 @@
       </p:sp>
       <p:sp>
         <p:nvSpPr>
-          <p:cNvPr id="254" name="example: node-internals/streams-stdin-stdout.js…"/>
+          <p:cNvPr id="263" name="example: node-internals/streams-stdin-stdout.js…"/>
           <p:cNvSpPr txBox="1"/>
           <p:nvPr>
             <p:ph type="body" idx="1"/>
@@ -8420,7 +8648,7 @@
       </p:grpSpPr>
       <p:sp>
         <p:nvSpPr>
-          <p:cNvPr id="256" name="I / O"/>
+          <p:cNvPr id="265" name="I / O"/>
           <p:cNvSpPr txBox="1"/>
           <p:nvPr>
             <p:ph type="title"/>
@@ -8444,7 +8672,7 @@
       </p:sp>
       <p:sp>
         <p:nvSpPr>
-          <p:cNvPr id="257" name="Buffers…"/>
+          <p:cNvPr id="266" name="Buffers…"/>
           <p:cNvSpPr txBox="1"/>
           <p:nvPr>
             <p:ph type="body" idx="1"/>
@@ -8522,7 +8750,7 @@
       </p:grpSpPr>
       <p:sp>
         <p:nvSpPr>
-          <p:cNvPr id="259" name="I / O"/>
+          <p:cNvPr id="268" name="I / O"/>
           <p:cNvSpPr txBox="1"/>
           <p:nvPr>
             <p:ph type="title"/>
@@ -8546,7 +8774,7 @@
       </p:sp>
       <p:sp>
         <p:nvSpPr>
-          <p:cNvPr id="260" name="Buffer pattern…"/>
+          <p:cNvPr id="269" name="Buffer pattern…"/>
           <p:cNvSpPr txBox="1"/>
           <p:nvPr>
             <p:ph type="body" idx="1"/>
@@ -8624,7 +8852,7 @@
       </p:grpSpPr>
       <p:sp>
         <p:nvSpPr>
-          <p:cNvPr id="262" name="File System"/>
+          <p:cNvPr id="271" name="File System"/>
           <p:cNvSpPr txBox="1"/>
           <p:nvPr>
             <p:ph type="title"/>
@@ -8648,7 +8876,7 @@
       </p:sp>
       <p:sp>
         <p:nvSpPr>
-          <p:cNvPr id="263" name="File System ( 'fs' )…"/>
+          <p:cNvPr id="272" name="File System ( 'fs' )…"/>
           <p:cNvSpPr txBox="1"/>
           <p:nvPr>
             <p:ph type="body" idx="1"/>
@@ -8726,7 +8954,7 @@
       </p:grpSpPr>
       <p:sp>
         <p:nvSpPr>
-          <p:cNvPr id="265" name="File System"/>
+          <p:cNvPr id="274" name="File System"/>
           <p:cNvSpPr txBox="1"/>
           <p:nvPr>
             <p:ph type="title"/>
@@ -8750,7 +8978,7 @@
       </p:sp>
       <p:sp>
         <p:nvSpPr>
-          <p:cNvPr id="266" name="File System async pattern…"/>
+          <p:cNvPr id="275" name="File System async pattern…"/>
           <p:cNvSpPr txBox="1"/>
           <p:nvPr>
             <p:ph type="body" idx="1"/>
@@ -8853,7 +9081,7 @@
       </p:grpSpPr>
       <p:sp>
         <p:nvSpPr>
-          <p:cNvPr id="268" name="Lab: File System"/>
+          <p:cNvPr id="277" name="Lab: File System"/>
           <p:cNvSpPr txBox="1"/>
           <p:nvPr>
             <p:ph type="title"/>
@@ -8877,7 +9105,7 @@
       </p:sp>
       <p:sp>
         <p:nvSpPr>
-          <p:cNvPr id="269" name="examples/node_internals/streams.demo-filesystem.js…"/>
+          <p:cNvPr id="278" name="examples/node_internals/streams.demo-filesystem.js…"/>
           <p:cNvSpPr txBox="1"/>
           <p:nvPr>
             <p:ph type="body" idx="1"/>
@@ -8923,6 +9151,96 @@
             <a:pPr lvl="2"/>
             <a:r>
               <a:t>Watch that file &amp; copy it on change</a:t>
+            </a:r>
+          </a:p>
+        </p:txBody>
+      </p:sp>
+    </p:spTree>
+  </p:cSld>
+  <p:clrMapOvr>
+    <a:masterClrMapping/>
+  </p:clrMapOvr>
+  <p:transition xmlns:p14="http://schemas.microsoft.com/office/powerpoint/2010/main" spd="med" advClick="1"/>
+</p:sld>
+</file>
+
+<file path=ppt/slides/slide49.xml><?xml version="1.0" encoding="utf-8"?>
+<p:sld xmlns:a="http://schemas.openxmlformats.org/drawingml/2006/main" xmlns:r="http://schemas.openxmlformats.org/officeDocument/2006/relationships" xmlns:p="http://schemas.openxmlformats.org/presentationml/2006/main" showMasterSp="1" showMasterPhAnim="1">
+  <p:cSld>
+    <p:spTree>
+      <p:nvGrpSpPr>
+        <p:cNvPr id="1" name=""/>
+        <p:cNvGrpSpPr/>
+        <p:nvPr/>
+      </p:nvGrpSpPr>
+      <p:grpSpPr>
+        <a:xfrm>
+          <a:off x="0" y="0"/>
+          <a:ext cx="0" cy="0"/>
+          <a:chOff x="0" y="0"/>
+          <a:chExt cx="0" cy="0"/>
+        </a:xfrm>
+      </p:grpSpPr>
+      <p:sp>
+        <p:nvSpPr>
+          <p:cNvPr id="280" name="HTTP"/>
+          <p:cNvSpPr txBox="1"/>
+          <p:nvPr>
+            <p:ph type="title"/>
+          </p:nvPr>
+        </p:nvSpPr>
+        <p:spPr>
+          <a:prstGeom prst="rect">
+            <a:avLst/>
+          </a:prstGeom>
+        </p:spPr>
+        <p:txBody>
+          <a:bodyPr/>
+          <a:lstStyle/>
+          <a:p>
+            <a:pPr/>
+            <a:r>
+              <a:t>HTTP</a:t>
+            </a:r>
+          </a:p>
+        </p:txBody>
+      </p:sp>
+      <p:sp>
+        <p:nvSpPr>
+          <p:cNvPr id="281" name="'http' is a built-in Node module…"/>
+          <p:cNvSpPr txBox="1"/>
+          <p:nvPr>
+            <p:ph type="body" idx="1"/>
+          </p:nvPr>
+        </p:nvSpPr>
+        <p:spPr>
+          <a:xfrm>
+            <a:off x="952500" y="2590800"/>
+            <a:ext cx="11642477" cy="6286500"/>
+          </a:xfrm>
+          <a:prstGeom prst="rect">
+            <a:avLst/>
+          </a:prstGeom>
+        </p:spPr>
+        <p:txBody>
+          <a:bodyPr anchor="t"/>
+          <a:lstStyle/>
+          <a:p>
+            <a:pPr/>
+            <a:r>
+              <a:t>'http' is a built-in Node module</a:t>
+            </a:r>
+          </a:p>
+          <a:p>
+            <a:pPr/>
+            <a:r>
+              <a:t>Extends 'net', even simpler TCP/IP server</a:t>
+            </a:r>
+          </a:p>
+          <a:p>
+            <a:pPr/>
+            <a:r>
+              <a:t>Request and response are Node streams</a:t>
             </a:r>
           </a:p>
         </p:txBody>
@@ -8955,7 +9273,7 @@
       </p:grpSpPr>
       <p:sp>
         <p:nvSpPr>
-          <p:cNvPr id="131" name="Course Overview"/>
+          <p:cNvPr id="140" name="Course Overview"/>
           <p:cNvSpPr txBox="1"/>
           <p:nvPr>
             <p:ph type="title"/>
@@ -8979,7 +9297,7 @@
       </p:sp>
       <p:sp>
         <p:nvSpPr>
-          <p:cNvPr id="132" name="Day 2 - Node cont.…"/>
+          <p:cNvPr id="141" name="Day 2 - Node cont.…"/>
           <p:cNvSpPr txBox="1"/>
           <p:nvPr>
             <p:ph type="body" idx="1"/>
@@ -9055,6 +9373,1465 @@
             </a:pPr>
             <a:r>
               <a:t>Error Handling</a:t>
+            </a:r>
+          </a:p>
+        </p:txBody>
+      </p:sp>
+    </p:spTree>
+  </p:cSld>
+  <p:clrMapOvr>
+    <a:masterClrMapping/>
+  </p:clrMapOvr>
+  <p:transition xmlns:p14="http://schemas.microsoft.com/office/powerpoint/2010/main" spd="med" advClick="1"/>
+</p:sld>
+</file>
+
+<file path=ppt/slides/slide50.xml><?xml version="1.0" encoding="utf-8"?>
+<p:sld xmlns:a="http://schemas.openxmlformats.org/drawingml/2006/main" xmlns:r="http://schemas.openxmlformats.org/officeDocument/2006/relationships" xmlns:p="http://schemas.openxmlformats.org/presentationml/2006/main" showMasterSp="1" showMasterPhAnim="1">
+  <p:cSld>
+    <p:spTree>
+      <p:nvGrpSpPr>
+        <p:cNvPr id="1" name=""/>
+        <p:cNvGrpSpPr/>
+        <p:nvPr/>
+      </p:nvGrpSpPr>
+      <p:grpSpPr>
+        <a:xfrm>
+          <a:off x="0" y="0"/>
+          <a:ext cx="0" cy="0"/>
+          <a:chOff x="0" y="0"/>
+          <a:chExt cx="0" cy="0"/>
+        </a:xfrm>
+      </p:grpSpPr>
+      <p:sp>
+        <p:nvSpPr>
+          <p:cNvPr id="283" name="HTTP"/>
+          <p:cNvSpPr txBox="1"/>
+          <p:nvPr>
+            <p:ph type="title"/>
+          </p:nvPr>
+        </p:nvSpPr>
+        <p:spPr>
+          <a:prstGeom prst="rect">
+            <a:avLst/>
+          </a:prstGeom>
+        </p:spPr>
+        <p:txBody>
+          <a:bodyPr/>
+          <a:lstStyle/>
+          <a:p>
+            <a:pPr/>
+            <a:r>
+              <a:t>HTTP</a:t>
+            </a:r>
+          </a:p>
+        </p:txBody>
+      </p:sp>
+      <p:sp>
+        <p:nvSpPr>
+          <p:cNvPr id="284" name="var http = require( 'http' ),…"/>
+          <p:cNvSpPr txBox="1"/>
+          <p:nvPr>
+            <p:ph type="body" idx="1"/>
+          </p:nvPr>
+        </p:nvSpPr>
+        <p:spPr>
+          <a:xfrm>
+            <a:off x="952500" y="2590800"/>
+            <a:ext cx="11642477" cy="6286500"/>
+          </a:xfrm>
+          <a:prstGeom prst="rect">
+            <a:avLst/>
+          </a:prstGeom>
+        </p:spPr>
+        <p:txBody>
+          <a:bodyPr anchor="t"/>
+          <a:lstStyle/>
+          <a:p>
+            <a:pPr marL="0" indent="0" defTabSz="12700">
+              <a:spcBef>
+                <a:spcPts val="0"/>
+              </a:spcBef>
+              <a:buSzTx/>
+              <a:buNone/>
+              <a:tabLst>
+                <a:tab pos="355600" algn="l"/>
+                <a:tab pos="711200" algn="l"/>
+                <a:tab pos="1066800" algn="l"/>
+                <a:tab pos="1422400" algn="l"/>
+                <a:tab pos="1778000" algn="l"/>
+                <a:tab pos="2133600" algn="l"/>
+                <a:tab pos="2489200" algn="l"/>
+                <a:tab pos="2844800" algn="l"/>
+                <a:tab pos="3200400" algn="l"/>
+                <a:tab pos="3556000" algn="l"/>
+                <a:tab pos="3911600" algn="l"/>
+                <a:tab pos="4267200" algn="l"/>
+              </a:tabLst>
+              <a:defRPr sz="2900">
+                <a:solidFill>
+                  <a:srgbClr val="C33720"/>
+                </a:solidFill>
+                <a:latin typeface="Monaco"/>
+                <a:ea typeface="Monaco"/>
+                <a:cs typeface="Monaco"/>
+                <a:sym typeface="Monaco"/>
+              </a:defRPr>
+            </a:pPr>
+            <a:r>
+              <a:rPr>
+                <a:solidFill>
+                  <a:srgbClr val="34BC26"/>
+                </a:solidFill>
+              </a:rPr>
+              <a:t>var</a:t>
+            </a:r>
+            <a:r>
+              <a:rPr>
+                <a:solidFill>
+                  <a:srgbClr val="F4F4F4"/>
+                </a:solidFill>
+              </a:rPr>
+              <a:t> http </a:t>
+            </a:r>
+            <a:r>
+              <a:rPr>
+                <a:solidFill>
+                  <a:srgbClr val="CD7923"/>
+                </a:solidFill>
+              </a:rPr>
+              <a:t>=</a:t>
+            </a:r>
+            <a:r>
+              <a:rPr>
+                <a:solidFill>
+                  <a:srgbClr val="F4F4F4"/>
+                </a:solidFill>
+              </a:rPr>
+              <a:t> </a:t>
+            </a:r>
+            <a:r>
+              <a:t>require</a:t>
+            </a:r>
+            <a:r>
+              <a:rPr>
+                <a:solidFill>
+                  <a:srgbClr val="F4F4F4"/>
+                </a:solidFill>
+              </a:rPr>
+              <a:t>( </a:t>
+            </a:r>
+            <a:r>
+              <a:t>'http'</a:t>
+            </a:r>
+            <a:r>
+              <a:rPr>
+                <a:solidFill>
+                  <a:srgbClr val="F4F4F4"/>
+                </a:solidFill>
+              </a:rPr>
+              <a:t> ),</a:t>
+            </a:r>
+            <a:endParaRPr>
+              <a:solidFill>
+                <a:srgbClr val="F4F4F4"/>
+              </a:solidFill>
+            </a:endParaRPr>
+          </a:p>
+          <a:p>
+            <a:pPr marL="0" indent="0" defTabSz="12700">
+              <a:spcBef>
+                <a:spcPts val="0"/>
+              </a:spcBef>
+              <a:buSzTx/>
+              <a:buNone/>
+              <a:tabLst>
+                <a:tab pos="355600" algn="l"/>
+                <a:tab pos="711200" algn="l"/>
+                <a:tab pos="1066800" algn="l"/>
+                <a:tab pos="1422400" algn="l"/>
+                <a:tab pos="1778000" algn="l"/>
+                <a:tab pos="2133600" algn="l"/>
+                <a:tab pos="2489200" algn="l"/>
+                <a:tab pos="2844800" algn="l"/>
+                <a:tab pos="3200400" algn="l"/>
+                <a:tab pos="3556000" algn="l"/>
+                <a:tab pos="3911600" algn="l"/>
+                <a:tab pos="4267200" algn="l"/>
+              </a:tabLst>
+              <a:defRPr sz="2900">
+                <a:solidFill>
+                  <a:srgbClr val="F4F4F4"/>
+                </a:solidFill>
+                <a:latin typeface="Monaco"/>
+                <a:ea typeface="Monaco"/>
+                <a:cs typeface="Monaco"/>
+                <a:sym typeface="Monaco"/>
+              </a:defRPr>
+            </a:pPr>
+            <a:r>
+              <a:t>  server </a:t>
+            </a:r>
+            <a:r>
+              <a:rPr>
+                <a:solidFill>
+                  <a:srgbClr val="CD7923"/>
+                </a:solidFill>
+              </a:rPr>
+              <a:t>=</a:t>
+            </a:r>
+            <a:r>
+              <a:t> http.createServer( </a:t>
+            </a:r>
+            <a:r>
+              <a:rPr>
+                <a:solidFill>
+                  <a:srgbClr val="34BC26"/>
+                </a:solidFill>
+              </a:rPr>
+              <a:t>function</a:t>
+            </a:r>
+            <a:r>
+              <a:t>( req, res ){</a:t>
+            </a:r>
+          </a:p>
+          <a:p>
+            <a:pPr marL="0" indent="0" defTabSz="12700">
+              <a:spcBef>
+                <a:spcPts val="0"/>
+              </a:spcBef>
+              <a:buSzTx/>
+              <a:buNone/>
+              <a:tabLst>
+                <a:tab pos="355600" algn="l"/>
+                <a:tab pos="711200" algn="l"/>
+                <a:tab pos="1066800" algn="l"/>
+                <a:tab pos="1422400" algn="l"/>
+                <a:tab pos="1778000" algn="l"/>
+                <a:tab pos="2133600" algn="l"/>
+                <a:tab pos="2489200" algn="l"/>
+                <a:tab pos="2844800" algn="l"/>
+                <a:tab pos="3200400" algn="l"/>
+                <a:tab pos="3556000" algn="l"/>
+                <a:tab pos="3911600" algn="l"/>
+                <a:tab pos="4267200" algn="l"/>
+              </a:tabLst>
+              <a:defRPr sz="2900">
+                <a:solidFill>
+                  <a:srgbClr val="F4F4F4"/>
+                </a:solidFill>
+                <a:latin typeface="Monaco"/>
+                <a:ea typeface="Monaco"/>
+                <a:cs typeface="Monaco"/>
+                <a:sym typeface="Monaco"/>
+              </a:defRPr>
+            </a:pPr>
+            <a:r>
+              <a:t>    res.write( </a:t>
+            </a:r>
+            <a:r>
+              <a:rPr>
+                <a:solidFill>
+                  <a:srgbClr val="C33720"/>
+                </a:solidFill>
+              </a:rPr>
+              <a:t>'Hello World'</a:t>
+            </a:r>
+            <a:r>
+              <a:t> );</a:t>
+            </a:r>
+          </a:p>
+          <a:p>
+            <a:pPr marL="0" indent="0" defTabSz="12700">
+              <a:spcBef>
+                <a:spcPts val="0"/>
+              </a:spcBef>
+              <a:buSzTx/>
+              <a:buNone/>
+              <a:tabLst>
+                <a:tab pos="355600" algn="l"/>
+                <a:tab pos="711200" algn="l"/>
+                <a:tab pos="1066800" algn="l"/>
+                <a:tab pos="1422400" algn="l"/>
+                <a:tab pos="1778000" algn="l"/>
+                <a:tab pos="2133600" algn="l"/>
+                <a:tab pos="2489200" algn="l"/>
+                <a:tab pos="2844800" algn="l"/>
+                <a:tab pos="3200400" algn="l"/>
+                <a:tab pos="3556000" algn="l"/>
+                <a:tab pos="3911600" algn="l"/>
+                <a:tab pos="4267200" algn="l"/>
+              </a:tabLst>
+              <a:defRPr sz="2900">
+                <a:solidFill>
+                  <a:srgbClr val="F4F4F4"/>
+                </a:solidFill>
+                <a:latin typeface="Monaco"/>
+                <a:ea typeface="Monaco"/>
+                <a:cs typeface="Monaco"/>
+                <a:sym typeface="Monaco"/>
+              </a:defRPr>
+            </a:pPr>
+            <a:r>
+              <a:t>    res.end();</a:t>
+            </a:r>
+          </a:p>
+          <a:p>
+            <a:pPr marL="0" indent="0" defTabSz="12700">
+              <a:spcBef>
+                <a:spcPts val="0"/>
+              </a:spcBef>
+              <a:buSzTx/>
+              <a:buNone/>
+              <a:tabLst>
+                <a:tab pos="355600" algn="l"/>
+                <a:tab pos="711200" algn="l"/>
+                <a:tab pos="1066800" algn="l"/>
+                <a:tab pos="1422400" algn="l"/>
+                <a:tab pos="1778000" algn="l"/>
+                <a:tab pos="2133600" algn="l"/>
+                <a:tab pos="2489200" algn="l"/>
+                <a:tab pos="2844800" algn="l"/>
+                <a:tab pos="3200400" algn="l"/>
+                <a:tab pos="3556000" algn="l"/>
+                <a:tab pos="3911600" algn="l"/>
+                <a:tab pos="4267200" algn="l"/>
+              </a:tabLst>
+              <a:defRPr sz="2900">
+                <a:solidFill>
+                  <a:srgbClr val="F4F4F4"/>
+                </a:solidFill>
+                <a:latin typeface="Monaco"/>
+                <a:ea typeface="Monaco"/>
+                <a:cs typeface="Monaco"/>
+                <a:sym typeface="Monaco"/>
+              </a:defRPr>
+            </a:pPr>
+            <a:r>
+              <a:t>  });</a:t>
+            </a:r>
+          </a:p>
+          <a:p>
+            <a:pPr marL="0" indent="0" defTabSz="12700">
+              <a:spcBef>
+                <a:spcPts val="0"/>
+              </a:spcBef>
+              <a:buSzTx/>
+              <a:buNone/>
+              <a:tabLst>
+                <a:tab pos="355600" algn="l"/>
+                <a:tab pos="711200" algn="l"/>
+                <a:tab pos="1066800" algn="l"/>
+                <a:tab pos="1422400" algn="l"/>
+                <a:tab pos="1778000" algn="l"/>
+                <a:tab pos="2133600" algn="l"/>
+                <a:tab pos="2489200" algn="l"/>
+                <a:tab pos="2844800" algn="l"/>
+                <a:tab pos="3200400" algn="l"/>
+                <a:tab pos="3556000" algn="l"/>
+                <a:tab pos="3911600" algn="l"/>
+                <a:tab pos="4267200" algn="l"/>
+              </a:tabLst>
+              <a:defRPr sz="2900">
+                <a:solidFill>
+                  <a:srgbClr val="F4F4F4"/>
+                </a:solidFill>
+                <a:latin typeface="Monaco"/>
+                <a:ea typeface="Monaco"/>
+                <a:cs typeface="Monaco"/>
+                <a:sym typeface="Monaco"/>
+              </a:defRPr>
+            </a:pPr>
+            <a:r>
+              <a:t>server.listen( </a:t>
+            </a:r>
+            <a:r>
+              <a:rPr>
+                <a:solidFill>
+                  <a:srgbClr val="C33720"/>
+                </a:solidFill>
+              </a:rPr>
+              <a:t>3000</a:t>
+            </a:r>
+            <a:r>
+              <a:t> );</a:t>
+            </a:r>
+          </a:p>
+          <a:p>
+            <a:pPr marL="0" indent="0" defTabSz="12700">
+              <a:spcBef>
+                <a:spcPts val="0"/>
+              </a:spcBef>
+              <a:buSzTx/>
+              <a:buNone/>
+              <a:tabLst>
+                <a:tab pos="355600" algn="l"/>
+                <a:tab pos="711200" algn="l"/>
+                <a:tab pos="1066800" algn="l"/>
+                <a:tab pos="1422400" algn="l"/>
+                <a:tab pos="1778000" algn="l"/>
+                <a:tab pos="2133600" algn="l"/>
+                <a:tab pos="2489200" algn="l"/>
+                <a:tab pos="2844800" algn="l"/>
+                <a:tab pos="3200400" algn="l"/>
+                <a:tab pos="3556000" algn="l"/>
+                <a:tab pos="3911600" algn="l"/>
+                <a:tab pos="4267200" algn="l"/>
+              </a:tabLst>
+              <a:defRPr sz="2900">
+                <a:solidFill>
+                  <a:srgbClr val="C33720"/>
+                </a:solidFill>
+                <a:latin typeface="Monaco"/>
+                <a:ea typeface="Monaco"/>
+                <a:cs typeface="Monaco"/>
+                <a:sym typeface="Monaco"/>
+              </a:defRPr>
+            </a:pPr>
+            <a:r>
+              <a:t>console</a:t>
+            </a:r>
+            <a:r>
+              <a:rPr>
+                <a:solidFill>
+                  <a:srgbClr val="F4F4F4"/>
+                </a:solidFill>
+              </a:rPr>
+              <a:t>.log( </a:t>
+            </a:r>
+            <a:r>
+              <a:t>'Listening at localhost:3000'</a:t>
+            </a:r>
+            <a:r>
+              <a:rPr>
+                <a:solidFill>
+                  <a:srgbClr val="F4F4F4"/>
+                </a:solidFill>
+              </a:rPr>
+              <a:t> );</a:t>
+            </a:r>
+          </a:p>
+        </p:txBody>
+      </p:sp>
+    </p:spTree>
+  </p:cSld>
+  <p:clrMapOvr>
+    <a:masterClrMapping/>
+  </p:clrMapOvr>
+  <p:transition xmlns:p14="http://schemas.microsoft.com/office/powerpoint/2010/main" spd="med" advClick="1"/>
+</p:sld>
+</file>
+
+<file path=ppt/slides/slide51.xml><?xml version="1.0" encoding="utf-8"?>
+<p:sld xmlns:a="http://schemas.openxmlformats.org/drawingml/2006/main" xmlns:r="http://schemas.openxmlformats.org/officeDocument/2006/relationships" xmlns:p="http://schemas.openxmlformats.org/presentationml/2006/main" showMasterSp="1" showMasterPhAnim="1">
+  <p:cSld>
+    <p:spTree>
+      <p:nvGrpSpPr>
+        <p:cNvPr id="1" name=""/>
+        <p:cNvGrpSpPr/>
+        <p:nvPr/>
+      </p:nvGrpSpPr>
+      <p:grpSpPr>
+        <a:xfrm>
+          <a:off x="0" y="0"/>
+          <a:ext cx="0" cy="0"/>
+          <a:chOff x="0" y="0"/>
+          <a:chExt cx="0" cy="0"/>
+        </a:xfrm>
+      </p:grpSpPr>
+      <p:sp>
+        <p:nvSpPr>
+          <p:cNvPr id="286" name="HTTP Libraries"/>
+          <p:cNvSpPr txBox="1"/>
+          <p:nvPr>
+            <p:ph type="title"/>
+          </p:nvPr>
+        </p:nvSpPr>
+        <p:spPr>
+          <a:prstGeom prst="rect">
+            <a:avLst/>
+          </a:prstGeom>
+        </p:spPr>
+        <p:txBody>
+          <a:bodyPr/>
+          <a:lstStyle/>
+          <a:p>
+            <a:pPr/>
+            <a:r>
+              <a:t>HTTP Libraries</a:t>
+            </a:r>
+          </a:p>
+        </p:txBody>
+      </p:sp>
+      <p:sp>
+        <p:nvSpPr>
+          <p:cNvPr id="287" name="'http' contains all we need to build a server…"/>
+          <p:cNvSpPr txBox="1"/>
+          <p:nvPr>
+            <p:ph type="body" idx="1"/>
+          </p:nvPr>
+        </p:nvSpPr>
+        <p:spPr>
+          <a:xfrm>
+            <a:off x="952500" y="2590800"/>
+            <a:ext cx="11642477" cy="6286500"/>
+          </a:xfrm>
+          <a:prstGeom prst="rect">
+            <a:avLst/>
+          </a:prstGeom>
+        </p:spPr>
+        <p:txBody>
+          <a:bodyPr anchor="t"/>
+          <a:lstStyle/>
+          <a:p>
+            <a:pPr/>
+            <a:r>
+              <a:t>'http' contains all we need to build a server</a:t>
+            </a:r>
+          </a:p>
+          <a:p>
+            <a:pPr/>
+            <a:r>
+              <a:t>But that would be reinventing the wheel</a:t>
+            </a:r>
+          </a:p>
+          <a:p>
+            <a:pPr/>
+            <a:r>
+              <a:t>Use a library instead</a:t>
+            </a:r>
+          </a:p>
+          <a:p>
+            <a:pPr lvl="1"/>
+            <a:r>
+              <a:t>Express</a:t>
+            </a:r>
+          </a:p>
+          <a:p>
+            <a:pPr lvl="1"/>
+            <a:r>
+              <a:t>Hapi</a:t>
+            </a:r>
+          </a:p>
+          <a:p>
+            <a:pPr lvl="1"/>
+            <a:r>
+              <a:t>(very similar; Express is more popular)</a:t>
+            </a:r>
+          </a:p>
+        </p:txBody>
+      </p:sp>
+    </p:spTree>
+  </p:cSld>
+  <p:clrMapOvr>
+    <a:masterClrMapping/>
+  </p:clrMapOvr>
+  <p:transition xmlns:p14="http://schemas.microsoft.com/office/powerpoint/2010/main" spd="med" advClick="1"/>
+</p:sld>
+</file>
+
+<file path=ppt/slides/slide52.xml><?xml version="1.0" encoding="utf-8"?>
+<p:sld xmlns:a="http://schemas.openxmlformats.org/drawingml/2006/main" xmlns:r="http://schemas.openxmlformats.org/officeDocument/2006/relationships" xmlns:p="http://schemas.openxmlformats.org/presentationml/2006/main" showMasterSp="1" showMasterPhAnim="1">
+  <p:cSld>
+    <p:spTree>
+      <p:nvGrpSpPr>
+        <p:cNvPr id="1" name=""/>
+        <p:cNvGrpSpPr/>
+        <p:nvPr/>
+      </p:nvGrpSpPr>
+      <p:grpSpPr>
+        <a:xfrm>
+          <a:off x="0" y="0"/>
+          <a:ext cx="0" cy="0"/>
+          <a:chOff x="0" y="0"/>
+          <a:chExt cx="0" cy="0"/>
+        </a:xfrm>
+      </p:grpSpPr>
+      <p:sp>
+        <p:nvSpPr>
+          <p:cNvPr id="289" name="HTTP Libraries"/>
+          <p:cNvSpPr txBox="1"/>
+          <p:nvPr>
+            <p:ph type="title"/>
+          </p:nvPr>
+        </p:nvSpPr>
+        <p:spPr>
+          <a:prstGeom prst="rect">
+            <a:avLst/>
+          </a:prstGeom>
+        </p:spPr>
+        <p:txBody>
+          <a:bodyPr/>
+          <a:lstStyle/>
+          <a:p>
+            <a:pPr/>
+            <a:r>
+              <a:t>HTTP Libraries</a:t>
+            </a:r>
+          </a:p>
+        </p:txBody>
+      </p:sp>
+      <p:sp>
+        <p:nvSpPr>
+          <p:cNvPr id="290" name="What do HTTP Libraries do?…"/>
+          <p:cNvSpPr txBox="1"/>
+          <p:nvPr>
+            <p:ph type="body" idx="1"/>
+          </p:nvPr>
+        </p:nvSpPr>
+        <p:spPr>
+          <a:xfrm>
+            <a:off x="952500" y="2590800"/>
+            <a:ext cx="11642477" cy="6286500"/>
+          </a:xfrm>
+          <a:prstGeom prst="rect">
+            <a:avLst/>
+          </a:prstGeom>
+        </p:spPr>
+        <p:txBody>
+          <a:bodyPr anchor="t"/>
+          <a:lstStyle/>
+          <a:p>
+            <a:pPr/>
+            <a:r>
+              <a:t>What do HTTP Libraries do? </a:t>
+            </a:r>
+          </a:p>
+          <a:p>
+            <a:pPr lvl="1"/>
+            <a:r>
+              <a:t>Provide common server actions</a:t>
+            </a:r>
+          </a:p>
+          <a:p>
+            <a:pPr lvl="1"/>
+            <a:r>
+              <a:t>Structure user code</a:t>
+            </a:r>
+          </a:p>
+        </p:txBody>
+      </p:sp>
+    </p:spTree>
+  </p:cSld>
+  <p:clrMapOvr>
+    <a:masterClrMapping/>
+  </p:clrMapOvr>
+  <p:transition xmlns:p14="http://schemas.microsoft.com/office/powerpoint/2010/main" spd="med" advClick="1"/>
+</p:sld>
+</file>
+
+<file path=ppt/slides/slide53.xml><?xml version="1.0" encoding="utf-8"?>
+<p:sld xmlns:a="http://schemas.openxmlformats.org/drawingml/2006/main" xmlns:r="http://schemas.openxmlformats.org/officeDocument/2006/relationships" xmlns:p="http://schemas.openxmlformats.org/presentationml/2006/main" showMasterSp="1" showMasterPhAnim="1">
+  <p:cSld>
+    <p:spTree>
+      <p:nvGrpSpPr>
+        <p:cNvPr id="1" name=""/>
+        <p:cNvGrpSpPr/>
+        <p:nvPr/>
+      </p:nvGrpSpPr>
+      <p:grpSpPr>
+        <a:xfrm>
+          <a:off x="0" y="0"/>
+          <a:ext cx="0" cy="0"/>
+          <a:chOff x="0" y="0"/>
+          <a:chExt cx="0" cy="0"/>
+        </a:xfrm>
+      </p:grpSpPr>
+      <p:sp>
+        <p:nvSpPr>
+          <p:cNvPr id="292" name="HTTP Libraries"/>
+          <p:cNvSpPr txBox="1"/>
+          <p:nvPr>
+            <p:ph type="title"/>
+          </p:nvPr>
+        </p:nvSpPr>
+        <p:spPr>
+          <a:prstGeom prst="rect">
+            <a:avLst/>
+          </a:prstGeom>
+        </p:spPr>
+        <p:txBody>
+          <a:bodyPr/>
+          <a:lstStyle/>
+          <a:p>
+            <a:pPr/>
+            <a:r>
+              <a:t>HTTP Libraries</a:t>
+            </a:r>
+          </a:p>
+        </p:txBody>
+      </p:sp>
+      <p:sp>
+        <p:nvSpPr>
+          <p:cNvPr id="293" name="Common server actions…"/>
+          <p:cNvSpPr txBox="1"/>
+          <p:nvPr>
+            <p:ph type="body" idx="1"/>
+          </p:nvPr>
+        </p:nvSpPr>
+        <p:spPr>
+          <a:xfrm>
+            <a:off x="952500" y="2590800"/>
+            <a:ext cx="11642477" cy="6286500"/>
+          </a:xfrm>
+          <a:prstGeom prst="rect">
+            <a:avLst/>
+          </a:prstGeom>
+        </p:spPr>
+        <p:txBody>
+          <a:bodyPr anchor="t"/>
+          <a:lstStyle/>
+          <a:p>
+            <a:pPr/>
+            <a:r>
+              <a:t>Common server actions</a:t>
+            </a:r>
+          </a:p>
+          <a:p>
+            <a:pPr lvl="1"/>
+            <a:r>
+              <a:t>Authentication</a:t>
+            </a:r>
+          </a:p>
+          <a:p>
+            <a:pPr lvl="1"/>
+            <a:r>
+              <a:t>Cookies</a:t>
+            </a:r>
+          </a:p>
+          <a:p>
+            <a:pPr lvl="1"/>
+            <a:r>
+              <a:t>Caching</a:t>
+            </a:r>
+          </a:p>
+          <a:p>
+            <a:pPr lvl="1"/>
+            <a:r>
+              <a:t>Logging</a:t>
+            </a:r>
+          </a:p>
+          <a:p>
+            <a:pPr lvl="1"/>
+            <a:r>
+              <a:t>Error handling</a:t>
+            </a:r>
+          </a:p>
+        </p:txBody>
+      </p:sp>
+    </p:spTree>
+  </p:cSld>
+  <p:clrMapOvr>
+    <a:masterClrMapping/>
+  </p:clrMapOvr>
+  <p:transition xmlns:p14="http://schemas.microsoft.com/office/powerpoint/2010/main" spd="med" advClick="1"/>
+</p:sld>
+</file>
+
+<file path=ppt/slides/slide54.xml><?xml version="1.0" encoding="utf-8"?>
+<p:sld xmlns:a="http://schemas.openxmlformats.org/drawingml/2006/main" xmlns:r="http://schemas.openxmlformats.org/officeDocument/2006/relationships" xmlns:p="http://schemas.openxmlformats.org/presentationml/2006/main" showMasterSp="1" showMasterPhAnim="1">
+  <p:cSld>
+    <p:spTree>
+      <p:nvGrpSpPr>
+        <p:cNvPr id="1" name=""/>
+        <p:cNvGrpSpPr/>
+        <p:nvPr/>
+      </p:nvGrpSpPr>
+      <p:grpSpPr>
+        <a:xfrm>
+          <a:off x="0" y="0"/>
+          <a:ext cx="0" cy="0"/>
+          <a:chOff x="0" y="0"/>
+          <a:chExt cx="0" cy="0"/>
+        </a:xfrm>
+      </p:grpSpPr>
+      <p:sp>
+        <p:nvSpPr>
+          <p:cNvPr id="295" name="HTTP Libraries"/>
+          <p:cNvSpPr txBox="1"/>
+          <p:nvPr>
+            <p:ph type="title"/>
+          </p:nvPr>
+        </p:nvSpPr>
+        <p:spPr>
+          <a:prstGeom prst="rect">
+            <a:avLst/>
+          </a:prstGeom>
+        </p:spPr>
+        <p:txBody>
+          <a:bodyPr/>
+          <a:lstStyle/>
+          <a:p>
+            <a:pPr/>
+            <a:r>
+              <a:t>HTTP Libraries</a:t>
+            </a:r>
+          </a:p>
+        </p:txBody>
+      </p:sp>
+      <p:sp>
+        <p:nvSpPr>
+          <p:cNvPr id="296" name="User code…"/>
+          <p:cNvSpPr txBox="1"/>
+          <p:nvPr>
+            <p:ph type="body" idx="1"/>
+          </p:nvPr>
+        </p:nvSpPr>
+        <p:spPr>
+          <a:xfrm>
+            <a:off x="952500" y="2590800"/>
+            <a:ext cx="11642477" cy="6286500"/>
+          </a:xfrm>
+          <a:prstGeom prst="rect">
+            <a:avLst/>
+          </a:prstGeom>
+        </p:spPr>
+        <p:txBody>
+          <a:bodyPr anchor="t"/>
+          <a:lstStyle/>
+          <a:p>
+            <a:pPr/>
+            <a:r>
+              <a:t>User code</a:t>
+            </a:r>
+          </a:p>
+          <a:p>
+            <a:pPr lvl="1"/>
+            <a:r>
+              <a:t>Routing</a:t>
+            </a:r>
+          </a:p>
+          <a:p>
+            <a:pPr lvl="1"/>
+            <a:r>
+              <a:t>Services</a:t>
+            </a:r>
+          </a:p>
+          <a:p>
+            <a:pPr lvl="1"/>
+            <a:r>
+              <a:t>Views</a:t>
+            </a:r>
+          </a:p>
+        </p:txBody>
+      </p:sp>
+    </p:spTree>
+  </p:cSld>
+  <p:clrMapOvr>
+    <a:masterClrMapping/>
+  </p:clrMapOvr>
+  <p:transition xmlns:p14="http://schemas.microsoft.com/office/powerpoint/2010/main" spd="med" advClick="1"/>
+</p:sld>
+</file>
+
+<file path=ppt/slides/slide55.xml><?xml version="1.0" encoding="utf-8"?>
+<p:sld xmlns:a="http://schemas.openxmlformats.org/drawingml/2006/main" xmlns:r="http://schemas.openxmlformats.org/officeDocument/2006/relationships" xmlns:p="http://schemas.openxmlformats.org/presentationml/2006/main" showMasterSp="1" showMasterPhAnim="1">
+  <p:cSld>
+    <p:spTree>
+      <p:nvGrpSpPr>
+        <p:cNvPr id="1" name=""/>
+        <p:cNvGrpSpPr/>
+        <p:nvPr/>
+      </p:nvGrpSpPr>
+      <p:grpSpPr>
+        <a:xfrm>
+          <a:off x="0" y="0"/>
+          <a:ext cx="0" cy="0"/>
+          <a:chOff x="0" y="0"/>
+          <a:chExt cx="0" cy="0"/>
+        </a:xfrm>
+      </p:grpSpPr>
+      <p:sp>
+        <p:nvSpPr>
+          <p:cNvPr id="298" name="Lab: HTTP Libraries"/>
+          <p:cNvSpPr txBox="1"/>
+          <p:nvPr>
+            <p:ph type="title"/>
+          </p:nvPr>
+        </p:nvSpPr>
+        <p:spPr>
+          <a:prstGeom prst="rect">
+            <a:avLst/>
+          </a:prstGeom>
+        </p:spPr>
+        <p:txBody>
+          <a:bodyPr/>
+          <a:lstStyle/>
+          <a:p>
+            <a:pPr/>
+            <a:r>
+              <a:t>Lab: HTTP Libraries</a:t>
+            </a:r>
+          </a:p>
+        </p:txBody>
+      </p:sp>
+      <p:sp>
+        <p:nvSpPr>
+          <p:cNvPr id="299" name="examples/express/01-basic/server.js…"/>
+          <p:cNvSpPr txBox="1"/>
+          <p:nvPr>
+            <p:ph type="body" idx="1"/>
+          </p:nvPr>
+        </p:nvSpPr>
+        <p:spPr>
+          <a:xfrm>
+            <a:off x="952500" y="2590800"/>
+            <a:ext cx="11642477" cy="6286500"/>
+          </a:xfrm>
+          <a:prstGeom prst="rect">
+            <a:avLst/>
+          </a:prstGeom>
+        </p:spPr>
+        <p:txBody>
+          <a:bodyPr anchor="t"/>
+          <a:lstStyle/>
+          <a:p>
+            <a:pPr/>
+            <a:r>
+              <a:t>examples/express/01-basic/server.js</a:t>
+            </a:r>
+          </a:p>
+          <a:p>
+            <a:pPr lvl="1"/>
+            <a:r>
+              <a:t>Goal: load basic server using library</a:t>
+            </a:r>
+          </a:p>
+        </p:txBody>
+      </p:sp>
+    </p:spTree>
+  </p:cSld>
+  <p:clrMapOvr>
+    <a:masterClrMapping/>
+  </p:clrMapOvr>
+  <p:transition xmlns:p14="http://schemas.microsoft.com/office/powerpoint/2010/main" spd="med" advClick="1"/>
+</p:sld>
+</file>
+
+<file path=ppt/slides/slide56.xml><?xml version="1.0" encoding="utf-8"?>
+<p:sld xmlns:a="http://schemas.openxmlformats.org/drawingml/2006/main" xmlns:r="http://schemas.openxmlformats.org/officeDocument/2006/relationships" xmlns:p="http://schemas.openxmlformats.org/presentationml/2006/main" showMasterSp="1" showMasterPhAnim="1">
+  <p:cSld>
+    <p:spTree>
+      <p:nvGrpSpPr>
+        <p:cNvPr id="1" name=""/>
+        <p:cNvGrpSpPr/>
+        <p:nvPr/>
+      </p:nvGrpSpPr>
+      <p:grpSpPr>
+        <a:xfrm>
+          <a:off x="0" y="0"/>
+          <a:ext cx="0" cy="0"/>
+          <a:chOff x="0" y="0"/>
+          <a:chExt cx="0" cy="0"/>
+        </a:xfrm>
+      </p:grpSpPr>
+      <p:sp>
+        <p:nvSpPr>
+          <p:cNvPr id="301" name="HTTP Libraries"/>
+          <p:cNvSpPr txBox="1"/>
+          <p:nvPr>
+            <p:ph type="title"/>
+          </p:nvPr>
+        </p:nvSpPr>
+        <p:spPr>
+          <a:prstGeom prst="rect">
+            <a:avLst/>
+          </a:prstGeom>
+        </p:spPr>
+        <p:txBody>
+          <a:bodyPr/>
+          <a:lstStyle/>
+          <a:p>
+            <a:pPr/>
+            <a:r>
+              <a:t>HTTP Libraries</a:t>
+            </a:r>
+          </a:p>
+        </p:txBody>
+      </p:sp>
+      <p:sp>
+        <p:nvSpPr>
+          <p:cNvPr id="302" name="Routing…"/>
+          <p:cNvSpPr txBox="1"/>
+          <p:nvPr>
+            <p:ph type="body" idx="1"/>
+          </p:nvPr>
+        </p:nvSpPr>
+        <p:spPr>
+          <a:xfrm>
+            <a:off x="952500" y="2590800"/>
+            <a:ext cx="11642477" cy="6286500"/>
+          </a:xfrm>
+          <a:prstGeom prst="rect">
+            <a:avLst/>
+          </a:prstGeom>
+        </p:spPr>
+        <p:txBody>
+          <a:bodyPr anchor="t"/>
+          <a:lstStyle/>
+          <a:p>
+            <a:pPr marL="0" indent="0" defTabSz="496570">
+              <a:spcBef>
+                <a:spcPts val="3500"/>
+              </a:spcBef>
+              <a:buSzTx/>
+              <a:buNone/>
+              <a:defRPr sz="3230"/>
+            </a:pPr>
+            <a:r>
+              <a:t>Routing</a:t>
+            </a:r>
+          </a:p>
+          <a:p>
+            <a:pPr marL="0" indent="0" defTabSz="496570">
+              <a:spcBef>
+                <a:spcPts val="3500"/>
+              </a:spcBef>
+              <a:buSzTx/>
+              <a:buNone/>
+              <a:defRPr sz="3230"/>
+            </a:pPr>
+            <a:r>
+              <a:t>app.get( '/', function (req, res) {</a:t>
+            </a:r>
+          </a:p>
+          <a:p>
+            <a:pPr marL="0" indent="0" defTabSz="496570">
+              <a:spcBef>
+                <a:spcPts val="3500"/>
+              </a:spcBef>
+              <a:buSzTx/>
+              <a:buNone/>
+              <a:defRPr sz="3230"/>
+            </a:pPr>
+            <a:r>
+              <a:t>  res.send( 'GET request to the homepage' );</a:t>
+            </a:r>
+          </a:p>
+          <a:p>
+            <a:pPr marL="0" indent="0" defTabSz="496570">
+              <a:spcBef>
+                <a:spcPts val="3500"/>
+              </a:spcBef>
+              <a:buSzTx/>
+              <a:buNone/>
+              <a:defRPr sz="3230"/>
+            </a:pPr>
+            <a:r>
+              <a:t>});</a:t>
+            </a:r>
+          </a:p>
+          <a:p>
+            <a:pPr marL="0" indent="0" defTabSz="496570">
+              <a:spcBef>
+                <a:spcPts val="3500"/>
+              </a:spcBef>
+              <a:buSzTx/>
+              <a:buNone/>
+              <a:defRPr sz="3230"/>
+            </a:pPr>
+            <a:r>
+              <a:t>app.post( '/', function (req, res) {</a:t>
+            </a:r>
+          </a:p>
+          <a:p>
+            <a:pPr marL="0" indent="0" defTabSz="496570">
+              <a:spcBef>
+                <a:spcPts val="3500"/>
+              </a:spcBef>
+              <a:buSzTx/>
+              <a:buNone/>
+              <a:defRPr sz="3230"/>
+            </a:pPr>
+            <a:r>
+              <a:t>  res.send( 'POST request to the homepage' );</a:t>
+            </a:r>
+          </a:p>
+          <a:p>
+            <a:pPr marL="0" indent="0" defTabSz="496570">
+              <a:spcBef>
+                <a:spcPts val="3500"/>
+              </a:spcBef>
+              <a:buSzTx/>
+              <a:buNone/>
+              <a:defRPr sz="3230"/>
+            </a:pPr>
+            <a:r>
+              <a:t>});</a:t>
+            </a:r>
+          </a:p>
+        </p:txBody>
+      </p:sp>
+    </p:spTree>
+  </p:cSld>
+  <p:clrMapOvr>
+    <a:masterClrMapping/>
+  </p:clrMapOvr>
+  <p:transition xmlns:p14="http://schemas.microsoft.com/office/powerpoint/2010/main" spd="med" advClick="1"/>
+</p:sld>
+</file>
+
+<file path=ppt/slides/slide57.xml><?xml version="1.0" encoding="utf-8"?>
+<p:sld xmlns:a="http://schemas.openxmlformats.org/drawingml/2006/main" xmlns:r="http://schemas.openxmlformats.org/officeDocument/2006/relationships" xmlns:p="http://schemas.openxmlformats.org/presentationml/2006/main" showMasterSp="1" showMasterPhAnim="1">
+  <p:cSld>
+    <p:spTree>
+      <p:nvGrpSpPr>
+        <p:cNvPr id="1" name=""/>
+        <p:cNvGrpSpPr/>
+        <p:nvPr/>
+      </p:nvGrpSpPr>
+      <p:grpSpPr>
+        <a:xfrm>
+          <a:off x="0" y="0"/>
+          <a:ext cx="0" cy="0"/>
+          <a:chOff x="0" y="0"/>
+          <a:chExt cx="0" cy="0"/>
+        </a:xfrm>
+      </p:grpSpPr>
+      <p:sp>
+        <p:nvSpPr>
+          <p:cNvPr id="304" name="HTTP Libraries"/>
+          <p:cNvSpPr txBox="1"/>
+          <p:nvPr>
+            <p:ph type="title"/>
+          </p:nvPr>
+        </p:nvSpPr>
+        <p:spPr>
+          <a:prstGeom prst="rect">
+            <a:avLst/>
+          </a:prstGeom>
+        </p:spPr>
+        <p:txBody>
+          <a:bodyPr/>
+          <a:lstStyle/>
+          <a:p>
+            <a:pPr/>
+            <a:r>
+              <a:t>HTTP Libraries</a:t>
+            </a:r>
+          </a:p>
+        </p:txBody>
+      </p:sp>
+      <p:sp>
+        <p:nvSpPr>
+          <p:cNvPr id="305" name="More Routing - request params…"/>
+          <p:cNvSpPr txBox="1"/>
+          <p:nvPr>
+            <p:ph type="body" idx="1"/>
+          </p:nvPr>
+        </p:nvSpPr>
+        <p:spPr>
+          <a:xfrm>
+            <a:off x="952500" y="2590800"/>
+            <a:ext cx="11642477" cy="6286500"/>
+          </a:xfrm>
+          <a:prstGeom prst="rect">
+            <a:avLst/>
+          </a:prstGeom>
+        </p:spPr>
+        <p:txBody>
+          <a:bodyPr anchor="t"/>
+          <a:lstStyle/>
+          <a:p>
+            <a:pPr marL="0" indent="0">
+              <a:buSzTx/>
+              <a:buNone/>
+            </a:pPr>
+            <a:r>
+              <a:t>More Routing - request params</a:t>
+            </a:r>
+          </a:p>
+          <a:p>
+            <a:pPr marL="0" indent="0">
+              <a:buSzTx/>
+              <a:buNone/>
+            </a:pPr>
+            <a:r>
+              <a:t>app.get( '/user/:user-id', function (req, res) {</a:t>
+            </a:r>
+          </a:p>
+          <a:p>
+            <a:pPr lvl="1" marL="0" indent="228600">
+              <a:buSzTx/>
+              <a:buNone/>
+            </a:pPr>
+            <a:r>
+              <a:t>// req.params.user-id now contains value</a:t>
+            </a:r>
+          </a:p>
+          <a:p>
+            <a:pPr marL="0" indent="0">
+              <a:buSzTx/>
+              <a:buNone/>
+            </a:pPr>
+            <a:r>
+              <a:t>});</a:t>
+            </a:r>
+          </a:p>
+        </p:txBody>
+      </p:sp>
+    </p:spTree>
+  </p:cSld>
+  <p:clrMapOvr>
+    <a:masterClrMapping/>
+  </p:clrMapOvr>
+  <p:transition xmlns:p14="http://schemas.microsoft.com/office/powerpoint/2010/main" spd="med" advClick="1"/>
+</p:sld>
+</file>
+
+<file path=ppt/slides/slide58.xml><?xml version="1.0" encoding="utf-8"?>
+<p:sld xmlns:a="http://schemas.openxmlformats.org/drawingml/2006/main" xmlns:r="http://schemas.openxmlformats.org/officeDocument/2006/relationships" xmlns:p="http://schemas.openxmlformats.org/presentationml/2006/main" showMasterSp="1" showMasterPhAnim="1">
+  <p:cSld>
+    <p:spTree>
+      <p:nvGrpSpPr>
+        <p:cNvPr id="1" name=""/>
+        <p:cNvGrpSpPr/>
+        <p:nvPr/>
+      </p:nvGrpSpPr>
+      <p:grpSpPr>
+        <a:xfrm>
+          <a:off x="0" y="0"/>
+          <a:ext cx="0" cy="0"/>
+          <a:chOff x="0" y="0"/>
+          <a:chExt cx="0" cy="0"/>
+        </a:xfrm>
+      </p:grpSpPr>
+      <p:sp>
+        <p:nvSpPr>
+          <p:cNvPr id="307" name="HTTP Libraries"/>
+          <p:cNvSpPr txBox="1"/>
+          <p:nvPr>
+            <p:ph type="title"/>
+          </p:nvPr>
+        </p:nvSpPr>
+        <p:spPr>
+          <a:prstGeom prst="rect">
+            <a:avLst/>
+          </a:prstGeom>
+        </p:spPr>
+        <p:txBody>
+          <a:bodyPr/>
+          <a:lstStyle/>
+          <a:p>
+            <a:pPr/>
+            <a:r>
+              <a:t>HTTP Libraries</a:t>
+            </a:r>
+          </a:p>
+        </p:txBody>
+      </p:sp>
+      <p:sp>
+        <p:nvSpPr>
+          <p:cNvPr id="308" name="Middleware API…"/>
+          <p:cNvSpPr txBox="1"/>
+          <p:nvPr>
+            <p:ph type="body" idx="1"/>
+          </p:nvPr>
+        </p:nvSpPr>
+        <p:spPr>
+          <a:xfrm>
+            <a:off x="952500" y="2590800"/>
+            <a:ext cx="11642477" cy="6286500"/>
+          </a:xfrm>
+          <a:prstGeom prst="rect">
+            <a:avLst/>
+          </a:prstGeom>
+        </p:spPr>
+        <p:txBody>
+          <a:bodyPr anchor="t"/>
+          <a:lstStyle/>
+          <a:p>
+            <a:pPr marL="0" indent="0" defTabSz="531622">
+              <a:spcBef>
+                <a:spcPts val="3800"/>
+              </a:spcBef>
+              <a:buSzTx/>
+              <a:buNone/>
+              <a:defRPr sz="3458"/>
+            </a:pPr>
+            <a:r>
+              <a:t>Middleware API</a:t>
+            </a:r>
+          </a:p>
+          <a:p>
+            <a:pPr marL="404495" indent="-404495" defTabSz="531622">
+              <a:spcBef>
+                <a:spcPts val="3800"/>
+              </a:spcBef>
+              <a:defRPr sz="3458"/>
+            </a:pPr>
+            <a:r>
+              <a:t>Register one or more callback functions on the server</a:t>
+            </a:r>
+          </a:p>
+          <a:p>
+            <a:pPr marL="404495" indent="-404495" defTabSz="531622">
+              <a:spcBef>
+                <a:spcPts val="3800"/>
+              </a:spcBef>
+              <a:defRPr sz="3458"/>
+            </a:pPr>
+            <a:r>
+              <a:t>Callbacks get passed three arguments: request, response, next</a:t>
+            </a:r>
+          </a:p>
+          <a:p>
+            <a:pPr marL="404495" indent="-404495" defTabSz="531622">
+              <a:spcBef>
+                <a:spcPts val="3800"/>
+              </a:spcBef>
+              <a:defRPr sz="3458"/>
+            </a:pPr>
+            <a:r>
+              <a:t>'next' is similar to return statement in functions </a:t>
+            </a:r>
+          </a:p>
+          <a:p>
+            <a:pPr marL="404495" indent="-404495" defTabSz="531622">
+              <a:spcBef>
+                <a:spcPts val="3800"/>
+              </a:spcBef>
+              <a:defRPr sz="3458"/>
+            </a:pPr>
+            <a:r>
+              <a:t>Use it without args to pass control to next function</a:t>
+            </a:r>
+          </a:p>
+          <a:p>
+            <a:pPr marL="404495" indent="-404495" defTabSz="531622">
+              <a:spcBef>
+                <a:spcPts val="3800"/>
+              </a:spcBef>
+              <a:defRPr sz="3458"/>
+            </a:pPr>
+            <a:r>
+              <a:t>Or call next('route') to skip remaining callbacks</a:t>
+            </a:r>
+          </a:p>
+        </p:txBody>
+      </p:sp>
+    </p:spTree>
+  </p:cSld>
+  <p:clrMapOvr>
+    <a:masterClrMapping/>
+  </p:clrMapOvr>
+  <p:transition xmlns:p14="http://schemas.microsoft.com/office/powerpoint/2010/main" spd="med" advClick="1"/>
+</p:sld>
+</file>
+
+<file path=ppt/slides/slide59.xml><?xml version="1.0" encoding="utf-8"?>
+<p:sld xmlns:a="http://schemas.openxmlformats.org/drawingml/2006/main" xmlns:r="http://schemas.openxmlformats.org/officeDocument/2006/relationships" xmlns:p="http://schemas.openxmlformats.org/presentationml/2006/main" showMasterSp="1" showMasterPhAnim="1">
+  <p:cSld>
+    <p:spTree>
+      <p:nvGrpSpPr>
+        <p:cNvPr id="1" name=""/>
+        <p:cNvGrpSpPr/>
+        <p:nvPr/>
+      </p:nvGrpSpPr>
+      <p:grpSpPr>
+        <a:xfrm>
+          <a:off x="0" y="0"/>
+          <a:ext cx="0" cy="0"/>
+          <a:chOff x="0" y="0"/>
+          <a:chExt cx="0" cy="0"/>
+        </a:xfrm>
+      </p:grpSpPr>
+      <p:sp>
+        <p:nvSpPr>
+          <p:cNvPr id="310" name="HTTP Libraries"/>
+          <p:cNvSpPr txBox="1"/>
+          <p:nvPr>
+            <p:ph type="title"/>
+          </p:nvPr>
+        </p:nvSpPr>
+        <p:spPr>
+          <a:prstGeom prst="rect">
+            <a:avLst/>
+          </a:prstGeom>
+        </p:spPr>
+        <p:txBody>
+          <a:bodyPr/>
+          <a:lstStyle/>
+          <a:p>
+            <a:pPr/>
+            <a:r>
+              <a:t>HTTP Libraries</a:t>
+            </a:r>
+          </a:p>
+        </p:txBody>
+      </p:sp>
+      <p:sp>
+        <p:nvSpPr>
+          <p:cNvPr id="311" name="Middleware API…"/>
+          <p:cNvSpPr txBox="1"/>
+          <p:nvPr>
+            <p:ph type="body" idx="1"/>
+          </p:nvPr>
+        </p:nvSpPr>
+        <p:spPr>
+          <a:xfrm>
+            <a:off x="952500" y="2590800"/>
+            <a:ext cx="11642477" cy="6286500"/>
+          </a:xfrm>
+          <a:prstGeom prst="rect">
+            <a:avLst/>
+          </a:prstGeom>
+        </p:spPr>
+        <p:txBody>
+          <a:bodyPr anchor="t"/>
+          <a:lstStyle/>
+          <a:p>
+            <a:pPr marL="0" indent="0">
+              <a:buSzTx/>
+              <a:buNone/>
+            </a:pPr>
+            <a:r>
+              <a:t>Middleware API</a:t>
+            </a:r>
+          </a:p>
+          <a:p>
+            <a:pPr marL="0" indent="0">
+              <a:buSzTx/>
+              <a:buNone/>
+            </a:pPr>
+            <a:r>
+              <a:t>app.all( '/admin/*', requireAuthentication);</a:t>
+            </a:r>
+          </a:p>
+          <a:p>
+            <a:pPr marL="0" indent="0">
+              <a:buSzTx/>
+              <a:buNone/>
+            </a:pPr>
+            <a:r>
+              <a:t>Function requireAuthentication( req, res, next ) {</a:t>
+            </a:r>
+          </a:p>
+          <a:p>
+            <a:pPr marL="0" indent="0">
+              <a:buSzTx/>
+              <a:buNone/>
+            </a:pPr>
+            <a:r>
+              <a:t>  // do some kind of auth check</a:t>
+            </a:r>
+          </a:p>
+          <a:p>
+            <a:pPr marL="0" indent="0">
+              <a:buSzTx/>
+              <a:buNone/>
+            </a:pPr>
+            <a:r>
+              <a:t>  next( req.url );</a:t>
+            </a:r>
+          </a:p>
+          <a:p>
+            <a:pPr marL="0" indent="0">
+              <a:buSzTx/>
+              <a:buNone/>
+            </a:pPr>
+            <a:r>
+              <a:t>}</a:t>
             </a:r>
           </a:p>
         </p:txBody>
@@ -9087,7 +10864,7 @@
       </p:grpSpPr>
       <p:sp>
         <p:nvSpPr>
-          <p:cNvPr id="134" name="Course Overview"/>
+          <p:cNvPr id="143" name="Course Overview"/>
           <p:cNvSpPr txBox="1"/>
           <p:nvPr>
             <p:ph type="title"/>
@@ -9111,7 +10888,7 @@
       </p:sp>
       <p:sp>
         <p:nvSpPr>
-          <p:cNvPr id="135" name="Day 3…"/>
+          <p:cNvPr id="144" name="Day 3…"/>
           <p:cNvSpPr txBox="1"/>
           <p:nvPr>
             <p:ph type="body" idx="1"/>
@@ -9188,7 +10965,7 @@
       </p:grpSpPr>
       <p:sp>
         <p:nvSpPr>
-          <p:cNvPr id="137" name="Course Overview"/>
+          <p:cNvPr id="146" name="Course Overview"/>
           <p:cNvSpPr txBox="1"/>
           <p:nvPr>
             <p:ph type="title"/>
@@ -9212,7 +10989,7 @@
       </p:sp>
       <p:sp>
         <p:nvSpPr>
-          <p:cNvPr id="138" name="Day 4…"/>
+          <p:cNvPr id="147" name="Day 4…"/>
           <p:cNvSpPr txBox="1"/>
           <p:nvPr>
             <p:ph type="body" idx="1"/>
@@ -9283,7 +11060,7 @@
       </p:grpSpPr>
       <p:sp>
         <p:nvSpPr>
-          <p:cNvPr id="140" name="Course Overview"/>
+          <p:cNvPr id="149" name="Course Overview"/>
           <p:cNvSpPr txBox="1"/>
           <p:nvPr>
             <p:ph type="title"/>
@@ -9307,7 +11084,7 @@
       </p:sp>
       <p:sp>
         <p:nvSpPr>
-          <p:cNvPr id="141" name="Day 5…"/>
+          <p:cNvPr id="150" name="Day 5…"/>
           <p:cNvSpPr txBox="1"/>
           <p:nvPr>
             <p:ph type="body" idx="1"/>
@@ -9384,7 +11161,7 @@
       </p:grpSpPr>
       <p:sp>
         <p:nvSpPr>
-          <p:cNvPr id="143" name="Introductions"/>
+          <p:cNvPr id="152" name="Introductions"/>
           <p:cNvSpPr txBox="1"/>
           <p:nvPr>
             <p:ph type="title"/>
@@ -9408,7 +11185,7 @@
       </p:sp>
       <p:sp>
         <p:nvSpPr>
-          <p:cNvPr id="144" name="About me…"/>
+          <p:cNvPr id="153" name="About me…"/>
           <p:cNvSpPr txBox="1"/>
           <p:nvPr>
             <p:ph type="body" idx="1"/>
